--- a/Complimentary Course Content/Module3/Lessons/Module3_Lesson06 Developing iOS Apps with Xamarin.pptx
+++ b/Complimentary Course Content/Module3/Lessons/Module3_Lesson06 Developing iOS Apps with Xamarin.pptx
@@ -147,7 +147,7 @@
   </p:defaultTextStyle>
   <p:extLst>
     <p:ext uri="{EFAFB233-063F-42B5-8137-9DF3F51BA10A}">
-      <p15:sldGuideLst xmlns:p15="http://schemas.microsoft.com/office/powerpoint/2012/main" xmlns="">
+      <p15:sldGuideLst xmlns="" xmlns:p15="http://schemas.microsoft.com/office/powerpoint/2012/main">
         <p15:guide id="1" orient="horz" pos="2160">
           <p15:clr>
             <a:srgbClr val="A4A3A4"/>
@@ -256,7 +256,7 @@
             <a:fld id="{49B60EF2-7028-489F-85D8-FE86CD7CF2A0}" type="datetimeFigureOut">
               <a:rPr lang="en-US" smtClean="0"/>
               <a:pPr/>
-              <a:t>6/28/16</a:t>
+              <a:t>6/30/16</a:t>
             </a:fld>
             <a:endParaRPr lang="en-US"/>
           </a:p>
@@ -9244,7 +9244,7 @@
             <a:fld id="{0459C166-16D3-4A25-A2F8-C51E0E346B22}" type="datetimeFigureOut">
               <a:rPr lang="en-US" smtClean="0"/>
               <a:pPr/>
-              <a:t>6/28/16</a:t>
+              <a:t>6/30/16</a:t>
             </a:fld>
             <a:endParaRPr lang="en-US"/>
           </a:p>
@@ -9414,7 +9414,7 @@
             <a:fld id="{0459C166-16D3-4A25-A2F8-C51E0E346B22}" type="datetimeFigureOut">
               <a:rPr lang="en-US" smtClean="0"/>
               <a:pPr/>
-              <a:t>6/28/16</a:t>
+              <a:t>6/30/16</a:t>
             </a:fld>
             <a:endParaRPr lang="en-US"/>
           </a:p>
@@ -9594,7 +9594,7 @@
             <a:fld id="{0459C166-16D3-4A25-A2F8-C51E0E346B22}" type="datetimeFigureOut">
               <a:rPr lang="en-US" smtClean="0"/>
               <a:pPr/>
-              <a:t>6/28/16</a:t>
+              <a:t>6/30/16</a:t>
             </a:fld>
             <a:endParaRPr lang="en-US"/>
           </a:p>
@@ -9811,7 +9811,7 @@
                 <a:latin typeface="Segoe UI"/>
               </a:rPr>
               <a:pPr/>
-              <a:t>6/28/16</a:t>
+              <a:t>6/30/16</a:t>
             </a:fld>
             <a:endParaRPr lang="en-US">
               <a:solidFill>
@@ -10016,7 +10016,7 @@
                 <a:latin typeface="Segoe UI"/>
               </a:rPr>
               <a:pPr/>
-              <a:t>6/28/16</a:t>
+              <a:t>6/30/16</a:t>
             </a:fld>
             <a:endParaRPr lang="en-US">
               <a:solidFill>
@@ -10314,7 +10314,7 @@
                 <a:latin typeface="Segoe UI"/>
               </a:rPr>
               <a:pPr/>
-              <a:t>6/28/16</a:t>
+              <a:t>6/30/16</a:t>
             </a:fld>
             <a:endParaRPr lang="en-US">
               <a:solidFill>
@@ -10658,7 +10658,7 @@
                 <a:latin typeface="Segoe UI"/>
               </a:rPr>
               <a:pPr/>
-              <a:t>6/28/16</a:t>
+              <a:t>6/30/16</a:t>
             </a:fld>
             <a:endParaRPr lang="en-US">
               <a:solidFill>
@@ -11033,7 +11033,7 @@
                 <a:latin typeface="Segoe UI"/>
               </a:rPr>
               <a:pPr/>
-              <a:t>6/28/16</a:t>
+              <a:t>6/30/16</a:t>
             </a:fld>
             <a:endParaRPr lang="en-US">
               <a:solidFill>
@@ -11909,7 +11909,7 @@
             <a:fld id="{0459C166-16D3-4A25-A2F8-C51E0E346B22}" type="datetimeFigureOut">
               <a:rPr lang="en-US" smtClean="0"/>
               <a:pPr/>
-              <a:t>6/28/16</a:t>
+              <a:t>6/30/16</a:t>
             </a:fld>
             <a:endParaRPr lang="en-US"/>
           </a:p>
@@ -12147,7 +12147,7 @@
                 <a:latin typeface="Segoe UI"/>
               </a:rPr>
               <a:pPr/>
-              <a:t>6/28/16</a:t>
+              <a:t>6/30/16</a:t>
             </a:fld>
             <a:endParaRPr lang="en-US">
               <a:solidFill>
@@ -12548,7 +12548,7 @@
                 <a:latin typeface="Segoe UI"/>
               </a:rPr>
               <a:pPr/>
-              <a:t>6/28/16</a:t>
+              <a:t>6/30/16</a:t>
             </a:fld>
             <a:endParaRPr lang="en-US">
               <a:solidFill>
@@ -12702,7 +12702,7 @@
                 <a:latin typeface="Segoe UI"/>
               </a:rPr>
               <a:pPr/>
-              <a:t>6/28/16</a:t>
+              <a:t>6/30/16</a:t>
             </a:fld>
             <a:endParaRPr lang="en-US">
               <a:solidFill>
@@ -12834,7 +12834,7 @@
                 <a:latin typeface="Segoe UI"/>
               </a:rPr>
               <a:pPr/>
-              <a:t>6/28/16</a:t>
+              <a:t>6/30/16</a:t>
             </a:fld>
             <a:endParaRPr lang="en-US">
               <a:solidFill>
@@ -13146,7 +13146,7 @@
                 <a:latin typeface="Segoe UI"/>
               </a:rPr>
               <a:pPr/>
-              <a:t>6/28/16</a:t>
+              <a:t>6/30/16</a:t>
             </a:fld>
             <a:endParaRPr lang="en-US">
               <a:solidFill>
@@ -13435,7 +13435,7 @@
                 <a:latin typeface="Segoe UI"/>
               </a:rPr>
               <a:pPr/>
-              <a:t>6/28/16</a:t>
+              <a:t>6/30/16</a:t>
             </a:fld>
             <a:endParaRPr lang="en-US">
               <a:solidFill>
@@ -13640,7 +13640,7 @@
                 <a:latin typeface="Segoe UI"/>
               </a:rPr>
               <a:pPr/>
-              <a:t>6/28/16</a:t>
+              <a:t>6/30/16</a:t>
             </a:fld>
             <a:endParaRPr lang="en-US">
               <a:solidFill>
@@ -13855,7 +13855,7 @@
                 <a:latin typeface="Segoe UI"/>
               </a:rPr>
               <a:pPr/>
-              <a:t>6/28/16</a:t>
+              <a:t>6/30/16</a:t>
             </a:fld>
             <a:endParaRPr lang="en-US">
               <a:solidFill>
@@ -14100,7 +14100,7 @@
                 <a:latin typeface="Segoe UI"/>
               </a:rPr>
               <a:pPr/>
-              <a:t>6/28/16</a:t>
+              <a:t>6/30/16</a:t>
             </a:fld>
             <a:endParaRPr lang="en-US">
               <a:solidFill>
@@ -14305,7 +14305,7 @@
                 <a:latin typeface="Segoe UI"/>
               </a:rPr>
               <a:pPr/>
-              <a:t>6/28/16</a:t>
+              <a:t>6/30/16</a:t>
             </a:fld>
             <a:endParaRPr lang="en-US">
               <a:solidFill>
@@ -14600,7 +14600,7 @@
             <a:fld id="{0459C166-16D3-4A25-A2F8-C51E0E346B22}" type="datetimeFigureOut">
               <a:rPr lang="en-US" smtClean="0"/>
               <a:pPr/>
-              <a:t>6/28/16</a:t>
+              <a:t>6/30/16</a:t>
             </a:fld>
             <a:endParaRPr lang="en-US"/>
           </a:p>
@@ -14888,7 +14888,7 @@
                 <a:latin typeface="Segoe UI"/>
               </a:rPr>
               <a:pPr/>
-              <a:t>6/28/16</a:t>
+              <a:t>6/30/16</a:t>
             </a:fld>
             <a:endParaRPr lang="en-US">
               <a:solidFill>
@@ -15162,7 +15162,7 @@
                 <a:latin typeface="Segoe UI"/>
               </a:rPr>
               <a:pPr/>
-              <a:t>6/28/16</a:t>
+              <a:t>6/30/16</a:t>
             </a:fld>
             <a:endParaRPr lang="en-US">
               <a:solidFill>
@@ -15563,7 +15563,7 @@
                 <a:latin typeface="Segoe UI"/>
               </a:rPr>
               <a:pPr/>
-              <a:t>6/28/16</a:t>
+              <a:t>6/30/16</a:t>
             </a:fld>
             <a:endParaRPr lang="en-US">
               <a:solidFill>
@@ -15717,7 +15717,7 @@
                 <a:latin typeface="Segoe UI"/>
               </a:rPr>
               <a:pPr/>
-              <a:t>6/28/16</a:t>
+              <a:t>6/30/16</a:t>
             </a:fld>
             <a:endParaRPr lang="en-US">
               <a:solidFill>
@@ -15849,7 +15849,7 @@
                 <a:latin typeface="Segoe UI"/>
               </a:rPr>
               <a:pPr/>
-              <a:t>6/28/16</a:t>
+              <a:t>6/30/16</a:t>
             </a:fld>
             <a:endParaRPr lang="en-US">
               <a:solidFill>
@@ -16161,7 +16161,7 @@
                 <a:latin typeface="Segoe UI"/>
               </a:rPr>
               <a:pPr/>
-              <a:t>6/28/16</a:t>
+              <a:t>6/30/16</a:t>
             </a:fld>
             <a:endParaRPr lang="en-US">
               <a:solidFill>
@@ -16450,7 +16450,7 @@
                 <a:latin typeface="Segoe UI"/>
               </a:rPr>
               <a:pPr/>
-              <a:t>6/28/16</a:t>
+              <a:t>6/30/16</a:t>
             </a:fld>
             <a:endParaRPr lang="en-US">
               <a:solidFill>
@@ -16655,7 +16655,7 @@
                 <a:latin typeface="Segoe UI"/>
               </a:rPr>
               <a:pPr/>
-              <a:t>6/28/16</a:t>
+              <a:t>6/30/16</a:t>
             </a:fld>
             <a:endParaRPr lang="en-US">
               <a:solidFill>
@@ -16870,7 +16870,7 @@
                 <a:latin typeface="Segoe UI"/>
               </a:rPr>
               <a:pPr/>
-              <a:t>6/28/16</a:t>
+              <a:t>6/30/16</a:t>
             </a:fld>
             <a:endParaRPr lang="en-US">
               <a:solidFill>
@@ -17115,7 +17115,7 @@
                 <a:latin typeface="Segoe UI"/>
               </a:rPr>
               <a:pPr/>
-              <a:t>6/28/16</a:t>
+              <a:t>6/30/16</a:t>
             </a:fld>
             <a:endParaRPr lang="en-US">
               <a:solidFill>
@@ -17374,7 +17374,7 @@
             <a:fld id="{0459C166-16D3-4A25-A2F8-C51E0E346B22}" type="datetimeFigureOut">
               <a:rPr lang="en-US" smtClean="0"/>
               <a:pPr/>
-              <a:t>6/28/16</a:t>
+              <a:t>6/30/16</a:t>
             </a:fld>
             <a:endParaRPr lang="en-US"/>
           </a:p>
@@ -17551,7 +17551,7 @@
                 <a:latin typeface="Segoe UI"/>
               </a:rPr>
               <a:pPr/>
-              <a:t>6/28/16</a:t>
+              <a:t>6/30/16</a:t>
             </a:fld>
             <a:endParaRPr lang="en-US">
               <a:solidFill>
@@ -17851,7 +17851,7 @@
                 <a:latin typeface="Segoe UI"/>
               </a:rPr>
               <a:pPr/>
-              <a:t>6/28/16</a:t>
+              <a:t>6/30/16</a:t>
             </a:fld>
             <a:endParaRPr lang="en-US">
               <a:solidFill>
@@ -18125,7 +18125,7 @@
                 <a:latin typeface="Segoe UI"/>
               </a:rPr>
               <a:pPr/>
-              <a:t>6/28/16</a:t>
+              <a:t>6/30/16</a:t>
             </a:fld>
             <a:endParaRPr lang="en-US">
               <a:solidFill>
@@ -18526,7 +18526,7 @@
                 <a:latin typeface="Segoe UI"/>
               </a:rPr>
               <a:pPr/>
-              <a:t>6/28/16</a:t>
+              <a:t>6/30/16</a:t>
             </a:fld>
             <a:endParaRPr lang="en-US">
               <a:solidFill>
@@ -18680,7 +18680,7 @@
                 <a:latin typeface="Segoe UI"/>
               </a:rPr>
               <a:pPr/>
-              <a:t>6/28/16</a:t>
+              <a:t>6/30/16</a:t>
             </a:fld>
             <a:endParaRPr lang="en-US">
               <a:solidFill>
@@ -18812,7 +18812,7 @@
                 <a:latin typeface="Segoe UI"/>
               </a:rPr>
               <a:pPr/>
-              <a:t>6/28/16</a:t>
+              <a:t>6/30/16</a:t>
             </a:fld>
             <a:endParaRPr lang="en-US">
               <a:solidFill>
@@ -19124,7 +19124,7 @@
                 <a:latin typeface="Segoe UI"/>
               </a:rPr>
               <a:pPr/>
-              <a:t>6/28/16</a:t>
+              <a:t>6/30/16</a:t>
             </a:fld>
             <a:endParaRPr lang="en-US">
               <a:solidFill>
@@ -19413,7 +19413,7 @@
                 <a:latin typeface="Segoe UI"/>
               </a:rPr>
               <a:pPr/>
-              <a:t>6/28/16</a:t>
+              <a:t>6/30/16</a:t>
             </a:fld>
             <a:endParaRPr lang="en-US">
               <a:solidFill>
@@ -19618,7 +19618,7 @@
                 <a:latin typeface="Segoe UI"/>
               </a:rPr>
               <a:pPr/>
-              <a:t>6/28/16</a:t>
+              <a:t>6/30/16</a:t>
             </a:fld>
             <a:endParaRPr lang="en-US">
               <a:solidFill>
@@ -19833,7 +19833,7 @@
                 <a:latin typeface="Segoe UI"/>
               </a:rPr>
               <a:pPr/>
-              <a:t>6/28/16</a:t>
+              <a:t>6/30/16</a:t>
             </a:fld>
             <a:endParaRPr lang="en-US">
               <a:solidFill>
@@ -20227,7 +20227,7 @@
             <a:fld id="{0459C166-16D3-4A25-A2F8-C51E0E346B22}" type="datetimeFigureOut">
               <a:rPr lang="en-US" smtClean="0"/>
               <a:pPr/>
-              <a:t>6/28/16</a:t>
+              <a:t>6/30/16</a:t>
             </a:fld>
             <a:endParaRPr lang="en-US"/>
           </a:p>
@@ -20444,7 +20444,7 @@
                 <a:latin typeface="Segoe UI"/>
               </a:rPr>
               <a:pPr/>
-              <a:t>6/28/16</a:t>
+              <a:t>6/30/16</a:t>
             </a:fld>
             <a:endParaRPr lang="en-US">
               <a:solidFill>
@@ -20649,7 +20649,7 @@
                 <a:latin typeface="Segoe UI"/>
               </a:rPr>
               <a:pPr/>
-              <a:t>6/28/16</a:t>
+              <a:t>6/30/16</a:t>
             </a:fld>
             <a:endParaRPr lang="en-US">
               <a:solidFill>
@@ -20949,7 +20949,7 @@
                 <a:latin typeface="Segoe UI"/>
               </a:rPr>
               <a:pPr/>
-              <a:t>6/28/16</a:t>
+              <a:t>6/30/16</a:t>
             </a:fld>
             <a:endParaRPr lang="en-US">
               <a:solidFill>
@@ -21223,7 +21223,7 @@
                 <a:latin typeface="Segoe UI"/>
               </a:rPr>
               <a:pPr/>
-              <a:t>6/28/16</a:t>
+              <a:t>6/30/16</a:t>
             </a:fld>
             <a:endParaRPr lang="en-US">
               <a:solidFill>
@@ -21624,7 +21624,7 @@
                 <a:latin typeface="Segoe UI"/>
               </a:rPr>
               <a:pPr/>
-              <a:t>6/28/16</a:t>
+              <a:t>6/30/16</a:t>
             </a:fld>
             <a:endParaRPr lang="en-US">
               <a:solidFill>
@@ -21778,7 +21778,7 @@
                 <a:latin typeface="Segoe UI"/>
               </a:rPr>
               <a:pPr/>
-              <a:t>6/28/16</a:t>
+              <a:t>6/30/16</a:t>
             </a:fld>
             <a:endParaRPr lang="en-US">
               <a:solidFill>
@@ -21910,7 +21910,7 @@
                 <a:latin typeface="Segoe UI"/>
               </a:rPr>
               <a:pPr/>
-              <a:t>6/28/16</a:t>
+              <a:t>6/30/16</a:t>
             </a:fld>
             <a:endParaRPr lang="en-US">
               <a:solidFill>
@@ -22222,7 +22222,7 @@
                 <a:latin typeface="Segoe UI"/>
               </a:rPr>
               <a:pPr/>
-              <a:t>6/28/16</a:t>
+              <a:t>6/30/16</a:t>
             </a:fld>
             <a:endParaRPr lang="en-US">
               <a:solidFill>
@@ -22511,7 +22511,7 @@
                 <a:latin typeface="Segoe UI"/>
               </a:rPr>
               <a:pPr/>
-              <a:t>6/28/16</a:t>
+              <a:t>6/30/16</a:t>
             </a:fld>
             <a:endParaRPr lang="en-US">
               <a:solidFill>
@@ -22716,7 +22716,7 @@
                 <a:latin typeface="Segoe UI"/>
               </a:rPr>
               <a:pPr/>
-              <a:t>6/28/16</a:t>
+              <a:t>6/30/16</a:t>
             </a:fld>
             <a:endParaRPr lang="en-US">
               <a:solidFill>
@@ -22863,7 +22863,7 @@
             <a:fld id="{0459C166-16D3-4A25-A2F8-C51E0E346B22}" type="datetimeFigureOut">
               <a:rPr lang="en-US" smtClean="0"/>
               <a:pPr/>
-              <a:t>6/28/16</a:t>
+              <a:t>6/30/16</a:t>
             </a:fld>
             <a:endParaRPr lang="en-US"/>
           </a:p>
@@ -23050,7 +23050,7 @@
                 <a:latin typeface="Segoe UI"/>
               </a:rPr>
               <a:pPr/>
-              <a:t>6/28/16</a:t>
+              <a:t>6/30/16</a:t>
             </a:fld>
             <a:endParaRPr lang="en-US">
               <a:solidFill>
@@ -23175,7 +23175,7 @@
             <a:fld id="{0459C166-16D3-4A25-A2F8-C51E0E346B22}" type="datetimeFigureOut">
               <a:rPr lang="en-US" smtClean="0"/>
               <a:pPr/>
-              <a:t>6/28/16</a:t>
+              <a:t>6/30/16</a:t>
             </a:fld>
             <a:endParaRPr lang="en-US"/>
           </a:p>
@@ -23452,7 +23452,7 @@
             <a:fld id="{0459C166-16D3-4A25-A2F8-C51E0E346B22}" type="datetimeFigureOut">
               <a:rPr lang="en-US" smtClean="0"/>
               <a:pPr/>
-              <a:t>6/28/16</a:t>
+              <a:t>6/30/16</a:t>
             </a:fld>
             <a:endParaRPr lang="en-US"/>
           </a:p>
@@ -23706,7 +23706,7 @@
             <a:fld id="{0459C166-16D3-4A25-A2F8-C51E0E346B22}" type="datetimeFigureOut">
               <a:rPr lang="en-US" smtClean="0"/>
               <a:pPr/>
-              <a:t>6/28/16</a:t>
+              <a:t>6/30/16</a:t>
             </a:fld>
             <a:endParaRPr lang="en-US"/>
           </a:p>
@@ -23919,7 +23919,7 @@
             <a:fld id="{0459C166-16D3-4A25-A2F8-C51E0E346B22}" type="datetimeFigureOut">
               <a:rPr lang="en-US" smtClean="0"/>
               <a:pPr/>
-              <a:t>6/28/16</a:t>
+              <a:t>6/30/16</a:t>
             </a:fld>
             <a:endParaRPr lang="en-US"/>
           </a:p>
@@ -24466,7 +24466,7 @@
                 <a:latin typeface="Segoe UI"/>
               </a:rPr>
               <a:pPr/>
-              <a:t>6/28/16</a:t>
+              <a:t>6/30/16</a:t>
             </a:fld>
             <a:endParaRPr lang="en-US">
               <a:solidFill>
@@ -25046,7 +25046,7 @@
                 <a:latin typeface="Segoe UI"/>
               </a:rPr>
               <a:pPr/>
-              <a:t>6/28/16</a:t>
+              <a:t>6/30/16</a:t>
             </a:fld>
             <a:endParaRPr lang="en-US">
               <a:solidFill>
@@ -25621,7 +25621,7 @@
                 <a:latin typeface="Segoe UI"/>
               </a:rPr>
               <a:pPr/>
-              <a:t>6/28/16</a:t>
+              <a:t>6/30/16</a:t>
             </a:fld>
             <a:endParaRPr lang="en-US">
               <a:solidFill>
@@ -26196,7 +26196,7 @@
                 <a:latin typeface="Segoe UI"/>
               </a:rPr>
               <a:pPr/>
-              <a:t>6/28/16</a:t>
+              <a:t>6/30/16</a:t>
             </a:fld>
             <a:endParaRPr lang="en-US">
               <a:solidFill>
@@ -29949,7 +29949,7 @@
           <p:nvPr>
             <p:extLst>
               <p:ext uri="{D42A27DB-BD31-4B8C-83A1-F6EECF244321}">
-                <p14:modId xmlns:p14="http://schemas.microsoft.com/office/powerpoint/2010/main" val="1401874414"/>
+                <p14:modId xmlns:p14="http://schemas.microsoft.com/office/powerpoint/2010/main" val="2331799069"/>
               </p:ext>
             </p:extLst>
           </p:nvPr>
@@ -29968,14 +29968,14 @@
                 <a:gridCol w="4786355">
                   <a:extLst>
                     <a:ext uri="{9D8B030D-6E8A-4147-A177-3AD203B41FA5}">
-                      <a16:colId xmlns:a16="http://schemas.microsoft.com/office/drawing/2014/main" xmlns="" val="48614039"/>
+                      <a16:colId xmlns="" xmlns:a16="http://schemas.microsoft.com/office/drawing/2014/main" val="48614039"/>
                     </a:ext>
                   </a:extLst>
                 </a:gridCol>
                 <a:gridCol w="5662501">
                   <a:extLst>
                     <a:ext uri="{9D8B030D-6E8A-4147-A177-3AD203B41FA5}">
-                      <a16:colId xmlns:a16="http://schemas.microsoft.com/office/drawing/2014/main" xmlns="" val="1124546490"/>
+                      <a16:colId xmlns="" xmlns:a16="http://schemas.microsoft.com/office/drawing/2014/main" val="1124546490"/>
                     </a:ext>
                   </a:extLst>
                 </a:gridCol>
@@ -29988,7 +29988,7 @@
                     <a:p>
                       <a:pPr algn="ctr"/>
                       <a:r>
-                        <a:rPr lang="en-US" b="0" dirty="0">
+                        <a:rPr lang="en-US" b="1" dirty="0">
                           <a:solidFill>
                             <a:schemeClr val="bg1"/>
                           </a:solidFill>
@@ -30027,7 +30027,7 @@
                 </a:tc>
                 <a:extLst>
                   <a:ext uri="{0D108BD9-81ED-4DB2-BD59-A6C34878D82A}">
-                    <a16:rowId xmlns:a16="http://schemas.microsoft.com/office/drawing/2014/main" xmlns="" val="679667022"/>
+                    <a16:rowId xmlns="" xmlns:a16="http://schemas.microsoft.com/office/drawing/2014/main" val="679667022"/>
                   </a:ext>
                 </a:extLst>
               </a:tr>
@@ -30039,7 +30039,7 @@
                     <a:p>
                       <a:pPr algn="ctr"/>
                       <a:r>
-                        <a:rPr lang="en-US" dirty="0"/>
+                        <a:rPr lang="en-US" b="1" dirty="0"/>
                         <a:t>Storyboards</a:t>
                       </a:r>
                     </a:p>
@@ -30092,7 +30092,7 @@
                 </a:tc>
                 <a:extLst>
                   <a:ext uri="{0D108BD9-81ED-4DB2-BD59-A6C34878D82A}">
-                    <a16:rowId xmlns:a16="http://schemas.microsoft.com/office/drawing/2014/main" xmlns="" val="2034482246"/>
+                    <a16:rowId xmlns="" xmlns:a16="http://schemas.microsoft.com/office/drawing/2014/main" val="2034482246"/>
                   </a:ext>
                 </a:extLst>
               </a:tr>
@@ -30104,7 +30104,7 @@
                     <a:p>
                       <a:pPr algn="ctr"/>
                       <a:r>
-                        <a:rPr lang="en-US" dirty="0"/>
+                        <a:rPr lang="en-US" b="1" dirty="0"/>
                         <a:t>Scenes</a:t>
                       </a:r>
                     </a:p>
@@ -30178,7 +30178,7 @@
                 </a:tc>
                 <a:extLst>
                   <a:ext uri="{0D108BD9-81ED-4DB2-BD59-A6C34878D82A}">
-                    <a16:rowId xmlns:a16="http://schemas.microsoft.com/office/drawing/2014/main" xmlns="" val="682465758"/>
+                    <a16:rowId xmlns="" xmlns:a16="http://schemas.microsoft.com/office/drawing/2014/main" val="682465758"/>
                   </a:ext>
                 </a:extLst>
               </a:tr>
@@ -30190,7 +30190,7 @@
                     <a:p>
                       <a:pPr algn="ctr"/>
                       <a:r>
-                        <a:rPr lang="en-US" dirty="0"/>
+                        <a:rPr lang="en-US" b="1" dirty="0"/>
                         <a:t>Segues</a:t>
                       </a:r>
                     </a:p>
@@ -30241,7 +30241,7 @@
                 </a:tc>
                 <a:extLst>
                   <a:ext uri="{0D108BD9-81ED-4DB2-BD59-A6C34878D82A}">
-                    <a16:rowId xmlns:a16="http://schemas.microsoft.com/office/drawing/2014/main" xmlns="" val="4230228483"/>
+                    <a16:rowId xmlns="" xmlns:a16="http://schemas.microsoft.com/office/drawing/2014/main" val="4230228483"/>
                   </a:ext>
                 </a:extLst>
               </a:tr>
@@ -40781,7 +40781,7 @@
   <a:extraClrSchemeLst/>
   <a:extLst>
     <a:ext uri="{05A4C25C-085E-4340-85A3-A5531E510DB2}">
-      <thm15:themeFamily xmlns:thm15="http://schemas.microsoft.com/office/thememl/2012/main" xmlns="" name="Office Theme" id="{62F939B6-93AF-4DB8-9C6B-D6C7DFDC589F}" vid="{4A3C46E8-61CC-4603-A589-7422A47A8E4A}"/>
+      <thm15:themeFamily xmlns="" xmlns:thm15="http://schemas.microsoft.com/office/thememl/2012/main" name="Office Theme" id="{62F939B6-93AF-4DB8-9C6B-D6C7DFDC589F}" vid="{4A3C46E8-61CC-4603-A589-7422A47A8E4A}"/>
     </a:ext>
   </a:extLst>
 </a:theme>
@@ -41050,7 +41050,7 @@
   <a:extraClrSchemeLst/>
   <a:extLst>
     <a:ext uri="{05A4C25C-085E-4340-85A3-A5531E510DB2}">
-      <thm15:themeFamily xmlns:thm15="http://schemas.microsoft.com/office/thememl/2012/main" xmlns="" name="Office Theme" id="{62F939B6-93AF-4DB8-9C6B-D6C7DFDC589F}" vid="{4A3C46E8-61CC-4603-A589-7422A47A8E4A}"/>
+      <thm15:themeFamily xmlns="" xmlns:thm15="http://schemas.microsoft.com/office/thememl/2012/main" name="Office Theme" id="{62F939B6-93AF-4DB8-9C6B-D6C7DFDC589F}" vid="{4A3C46E8-61CC-4603-A589-7422A47A8E4A}"/>
     </a:ext>
   </a:extLst>
 </a:theme>
@@ -41251,7 +41251,7 @@
   <a:extraClrSchemeLst/>
   <a:extLst>
     <a:ext uri="{05A4C25C-085E-4340-85A3-A5531E510DB2}">
-      <thm15:themeFamily xmlns:thm15="http://schemas.microsoft.com/office/thememl/2012/main" xmlns="" name="Office Theme" id="{62F939B6-93AF-4DB8-9C6B-D6C7DFDC589F}" vid="{4A3C46E8-61CC-4603-A589-7422A47A8E4A}"/>
+      <thm15:themeFamily xmlns="" xmlns:thm15="http://schemas.microsoft.com/office/thememl/2012/main" name="Office Theme" id="{62F939B6-93AF-4DB8-9C6B-D6C7DFDC589F}" vid="{4A3C46E8-61CC-4603-A589-7422A47A8E4A}"/>
     </a:ext>
   </a:extLst>
 </a:theme>
@@ -41452,7 +41452,7 @@
   <a:extraClrSchemeLst/>
   <a:extLst>
     <a:ext uri="{05A4C25C-085E-4340-85A3-A5531E510DB2}">
-      <thm15:themeFamily xmlns:thm15="http://schemas.microsoft.com/office/thememl/2012/main" xmlns="" name="Office Theme" id="{62F939B6-93AF-4DB8-9C6B-D6C7DFDC589F}" vid="{4A3C46E8-61CC-4603-A589-7422A47A8E4A}"/>
+      <thm15:themeFamily xmlns="" xmlns:thm15="http://schemas.microsoft.com/office/thememl/2012/main" name="Office Theme" id="{62F939B6-93AF-4DB8-9C6B-D6C7DFDC589F}" vid="{4A3C46E8-61CC-4603-A589-7422A47A8E4A}"/>
     </a:ext>
   </a:extLst>
 </a:theme>
@@ -41653,7 +41653,7 @@
   <a:extraClrSchemeLst/>
   <a:extLst>
     <a:ext uri="{05A4C25C-085E-4340-85A3-A5531E510DB2}">
-      <thm15:themeFamily xmlns:thm15="http://schemas.microsoft.com/office/thememl/2012/main" xmlns="" name="Office Theme" id="{62F939B6-93AF-4DB8-9C6B-D6C7DFDC589F}" vid="{4A3C46E8-61CC-4603-A589-7422A47A8E4A}"/>
+      <thm15:themeFamily xmlns="" xmlns:thm15="http://schemas.microsoft.com/office/thememl/2012/main" name="Office Theme" id="{62F939B6-93AF-4DB8-9C6B-D6C7DFDC589F}" vid="{4A3C46E8-61CC-4603-A589-7422A47A8E4A}"/>
     </a:ext>
   </a:extLst>
 </a:theme>
@@ -41948,7 +41948,7 @@
   <a:extraClrSchemeLst/>
   <a:extLst>
     <a:ext uri="{05A4C25C-085E-4340-85A3-A5531E510DB2}">
-      <thm15:themeFamily xmlns:thm15="http://schemas.microsoft.com/office/thememl/2012/main" xmlns="" name="Office Theme" id="{62F939B6-93AF-4DB8-9C6B-D6C7DFDC589F}" vid="{4A3C46E8-61CC-4603-A589-7422A47A8E4A}"/>
+      <thm15:themeFamily xmlns="" xmlns:thm15="http://schemas.microsoft.com/office/thememl/2012/main" name="Office Theme" id="{62F939B6-93AF-4DB8-9C6B-D6C7DFDC589F}" vid="{4A3C46E8-61CC-4603-A589-7422A47A8E4A}"/>
     </a:ext>
   </a:extLst>
 </a:theme>

--- a/Complimentary Course Content/Module3/Lessons/Module3_Lesson06 Developing iOS Apps with Xamarin.pptx
+++ b/Complimentary Course Content/Module3/Lessons/Module3_Lesson06 Developing iOS Apps with Xamarin.pptx
@@ -147,7 +147,7 @@
   </p:defaultTextStyle>
   <p:extLst>
     <p:ext uri="{EFAFB233-063F-42B5-8137-9DF3F51BA10A}">
-      <p15:sldGuideLst xmlns="" xmlns:p15="http://schemas.microsoft.com/office/powerpoint/2012/main">
+      <p15:sldGuideLst xmlns:p15="http://schemas.microsoft.com/office/powerpoint/2012/main" xmlns="">
         <p15:guide id="1" orient="horz" pos="2160">
           <p15:clr>
             <a:srgbClr val="A4A3A4"/>
@@ -256,7 +256,7 @@
             <a:fld id="{49B60EF2-7028-489F-85D8-FE86CD7CF2A0}" type="datetimeFigureOut">
               <a:rPr lang="en-US" smtClean="0"/>
               <a:pPr/>
-              <a:t>6/30/16</a:t>
+              <a:t>7/12/16</a:t>
             </a:fld>
             <a:endParaRPr lang="en-US"/>
           </a:p>
@@ -7861,6 +7861,62 @@
           <a:bodyPr/>
           <a:lstStyle/>
           <a:p>
+            <a:pPr marL="0" indent="0">
+              <a:buFont typeface="Arial"/>
+              <a:buNone/>
+            </a:pPr>
+            <a:r>
+              <a:rPr lang="en-US" b="1" smtClean="0"/>
+              <a:t>Notes:</a:t>
+            </a:r>
+          </a:p>
+          <a:p>
+            <a:pPr marL="171450" indent="-171450">
+              <a:buFont typeface="Arial"/>
+              <a:buChar char="•"/>
+            </a:pPr>
+            <a:r>
+              <a:rPr lang="en-US" dirty="0" smtClean="0"/>
+              <a:t>The Module 3 Lesson 6 Lab should be completed</a:t>
+            </a:r>
+            <a:r>
+              <a:rPr lang="en-US" baseline="0" dirty="0" smtClean="0"/>
+              <a:t> at this time:</a:t>
+            </a:r>
+          </a:p>
+          <a:p>
+            <a:pPr marL="628650" lvl="1" indent="-171450">
+              <a:buFont typeface="Arial"/>
+              <a:buChar char="•"/>
+            </a:pPr>
+            <a:r>
+              <a:rPr lang="en-US" dirty="0" smtClean="0"/>
+              <a:t>https://</a:t>
+            </a:r>
+            <a:r>
+              <a:rPr lang="en-US" dirty="0" err="1" smtClean="0"/>
+              <a:t>github.com</a:t>
+            </a:r>
+            <a:r>
+              <a:rPr lang="en-US" dirty="0" smtClean="0"/>
+              <a:t>/</a:t>
+            </a:r>
+            <a:r>
+              <a:rPr lang="en-US" dirty="0" err="1" smtClean="0"/>
+              <a:t>MSFTImagine</a:t>
+            </a:r>
+            <a:r>
+              <a:rPr lang="en-US" dirty="0" smtClean="0"/>
+              <a:t>/</a:t>
+            </a:r>
+            <a:r>
+              <a:rPr lang="en-US" dirty="0" err="1" smtClean="0"/>
+              <a:t>computerscience</a:t>
+            </a:r>
+            <a:r>
+              <a:rPr lang="en-US" dirty="0" smtClean="0"/>
+              <a:t>/tree/master/Complimentary%20Course%20Content/Module3/Labs</a:t>
+            </a:r>
             <a:endParaRPr lang="en-US" dirty="0"/>
           </a:p>
         </p:txBody>
@@ -9244,7 +9300,7 @@
             <a:fld id="{0459C166-16D3-4A25-A2F8-C51E0E346B22}" type="datetimeFigureOut">
               <a:rPr lang="en-US" smtClean="0"/>
               <a:pPr/>
-              <a:t>6/30/16</a:t>
+              <a:t>7/12/16</a:t>
             </a:fld>
             <a:endParaRPr lang="en-US"/>
           </a:p>
@@ -9414,7 +9470,7 @@
             <a:fld id="{0459C166-16D3-4A25-A2F8-C51E0E346B22}" type="datetimeFigureOut">
               <a:rPr lang="en-US" smtClean="0"/>
               <a:pPr/>
-              <a:t>6/30/16</a:t>
+              <a:t>7/12/16</a:t>
             </a:fld>
             <a:endParaRPr lang="en-US"/>
           </a:p>
@@ -9594,7 +9650,7 @@
             <a:fld id="{0459C166-16D3-4A25-A2F8-C51E0E346B22}" type="datetimeFigureOut">
               <a:rPr lang="en-US" smtClean="0"/>
               <a:pPr/>
-              <a:t>6/30/16</a:t>
+              <a:t>7/12/16</a:t>
             </a:fld>
             <a:endParaRPr lang="en-US"/>
           </a:p>
@@ -9811,7 +9867,7 @@
                 <a:latin typeface="Segoe UI"/>
               </a:rPr>
               <a:pPr/>
-              <a:t>6/30/16</a:t>
+              <a:t>7/12/16</a:t>
             </a:fld>
             <a:endParaRPr lang="en-US">
               <a:solidFill>
@@ -10016,7 +10072,7 @@
                 <a:latin typeface="Segoe UI"/>
               </a:rPr>
               <a:pPr/>
-              <a:t>6/30/16</a:t>
+              <a:t>7/12/16</a:t>
             </a:fld>
             <a:endParaRPr lang="en-US">
               <a:solidFill>
@@ -10314,7 +10370,7 @@
                 <a:latin typeface="Segoe UI"/>
               </a:rPr>
               <a:pPr/>
-              <a:t>6/30/16</a:t>
+              <a:t>7/12/16</a:t>
             </a:fld>
             <a:endParaRPr lang="en-US">
               <a:solidFill>
@@ -10658,7 +10714,7 @@
                 <a:latin typeface="Segoe UI"/>
               </a:rPr>
               <a:pPr/>
-              <a:t>6/30/16</a:t>
+              <a:t>7/12/16</a:t>
             </a:fld>
             <a:endParaRPr lang="en-US">
               <a:solidFill>
@@ -11033,7 +11089,7 @@
                 <a:latin typeface="Segoe UI"/>
               </a:rPr>
               <a:pPr/>
-              <a:t>6/30/16</a:t>
+              <a:t>7/12/16</a:t>
             </a:fld>
             <a:endParaRPr lang="en-US">
               <a:solidFill>
@@ -11909,7 +11965,7 @@
             <a:fld id="{0459C166-16D3-4A25-A2F8-C51E0E346B22}" type="datetimeFigureOut">
               <a:rPr lang="en-US" smtClean="0"/>
               <a:pPr/>
-              <a:t>6/30/16</a:t>
+              <a:t>7/12/16</a:t>
             </a:fld>
             <a:endParaRPr lang="en-US"/>
           </a:p>
@@ -12147,7 +12203,7 @@
                 <a:latin typeface="Segoe UI"/>
               </a:rPr>
               <a:pPr/>
-              <a:t>6/30/16</a:t>
+              <a:t>7/12/16</a:t>
             </a:fld>
             <a:endParaRPr lang="en-US">
               <a:solidFill>
@@ -12548,7 +12604,7 @@
                 <a:latin typeface="Segoe UI"/>
               </a:rPr>
               <a:pPr/>
-              <a:t>6/30/16</a:t>
+              <a:t>7/12/16</a:t>
             </a:fld>
             <a:endParaRPr lang="en-US">
               <a:solidFill>
@@ -12702,7 +12758,7 @@
                 <a:latin typeface="Segoe UI"/>
               </a:rPr>
               <a:pPr/>
-              <a:t>6/30/16</a:t>
+              <a:t>7/12/16</a:t>
             </a:fld>
             <a:endParaRPr lang="en-US">
               <a:solidFill>
@@ -12834,7 +12890,7 @@
                 <a:latin typeface="Segoe UI"/>
               </a:rPr>
               <a:pPr/>
-              <a:t>6/30/16</a:t>
+              <a:t>7/12/16</a:t>
             </a:fld>
             <a:endParaRPr lang="en-US">
               <a:solidFill>
@@ -13146,7 +13202,7 @@
                 <a:latin typeface="Segoe UI"/>
               </a:rPr>
               <a:pPr/>
-              <a:t>6/30/16</a:t>
+              <a:t>7/12/16</a:t>
             </a:fld>
             <a:endParaRPr lang="en-US">
               <a:solidFill>
@@ -13435,7 +13491,7 @@
                 <a:latin typeface="Segoe UI"/>
               </a:rPr>
               <a:pPr/>
-              <a:t>6/30/16</a:t>
+              <a:t>7/12/16</a:t>
             </a:fld>
             <a:endParaRPr lang="en-US">
               <a:solidFill>
@@ -13640,7 +13696,7 @@
                 <a:latin typeface="Segoe UI"/>
               </a:rPr>
               <a:pPr/>
-              <a:t>6/30/16</a:t>
+              <a:t>7/12/16</a:t>
             </a:fld>
             <a:endParaRPr lang="en-US">
               <a:solidFill>
@@ -13855,7 +13911,7 @@
                 <a:latin typeface="Segoe UI"/>
               </a:rPr>
               <a:pPr/>
-              <a:t>6/30/16</a:t>
+              <a:t>7/12/16</a:t>
             </a:fld>
             <a:endParaRPr lang="en-US">
               <a:solidFill>
@@ -14100,7 +14156,7 @@
                 <a:latin typeface="Segoe UI"/>
               </a:rPr>
               <a:pPr/>
-              <a:t>6/30/16</a:t>
+              <a:t>7/12/16</a:t>
             </a:fld>
             <a:endParaRPr lang="en-US">
               <a:solidFill>
@@ -14305,7 +14361,7 @@
                 <a:latin typeface="Segoe UI"/>
               </a:rPr>
               <a:pPr/>
-              <a:t>6/30/16</a:t>
+              <a:t>7/12/16</a:t>
             </a:fld>
             <a:endParaRPr lang="en-US">
               <a:solidFill>
@@ -14600,7 +14656,7 @@
             <a:fld id="{0459C166-16D3-4A25-A2F8-C51E0E346B22}" type="datetimeFigureOut">
               <a:rPr lang="en-US" smtClean="0"/>
               <a:pPr/>
-              <a:t>6/30/16</a:t>
+              <a:t>7/12/16</a:t>
             </a:fld>
             <a:endParaRPr lang="en-US"/>
           </a:p>
@@ -14888,7 +14944,7 @@
                 <a:latin typeface="Segoe UI"/>
               </a:rPr>
               <a:pPr/>
-              <a:t>6/30/16</a:t>
+              <a:t>7/12/16</a:t>
             </a:fld>
             <a:endParaRPr lang="en-US">
               <a:solidFill>
@@ -15162,7 +15218,7 @@
                 <a:latin typeface="Segoe UI"/>
               </a:rPr>
               <a:pPr/>
-              <a:t>6/30/16</a:t>
+              <a:t>7/12/16</a:t>
             </a:fld>
             <a:endParaRPr lang="en-US">
               <a:solidFill>
@@ -15563,7 +15619,7 @@
                 <a:latin typeface="Segoe UI"/>
               </a:rPr>
               <a:pPr/>
-              <a:t>6/30/16</a:t>
+              <a:t>7/12/16</a:t>
             </a:fld>
             <a:endParaRPr lang="en-US">
               <a:solidFill>
@@ -15717,7 +15773,7 @@
                 <a:latin typeface="Segoe UI"/>
               </a:rPr>
               <a:pPr/>
-              <a:t>6/30/16</a:t>
+              <a:t>7/12/16</a:t>
             </a:fld>
             <a:endParaRPr lang="en-US">
               <a:solidFill>
@@ -15849,7 +15905,7 @@
                 <a:latin typeface="Segoe UI"/>
               </a:rPr>
               <a:pPr/>
-              <a:t>6/30/16</a:t>
+              <a:t>7/12/16</a:t>
             </a:fld>
             <a:endParaRPr lang="en-US">
               <a:solidFill>
@@ -16161,7 +16217,7 @@
                 <a:latin typeface="Segoe UI"/>
               </a:rPr>
               <a:pPr/>
-              <a:t>6/30/16</a:t>
+              <a:t>7/12/16</a:t>
             </a:fld>
             <a:endParaRPr lang="en-US">
               <a:solidFill>
@@ -16450,7 +16506,7 @@
                 <a:latin typeface="Segoe UI"/>
               </a:rPr>
               <a:pPr/>
-              <a:t>6/30/16</a:t>
+              <a:t>7/12/16</a:t>
             </a:fld>
             <a:endParaRPr lang="en-US">
               <a:solidFill>
@@ -16655,7 +16711,7 @@
                 <a:latin typeface="Segoe UI"/>
               </a:rPr>
               <a:pPr/>
-              <a:t>6/30/16</a:t>
+              <a:t>7/12/16</a:t>
             </a:fld>
             <a:endParaRPr lang="en-US">
               <a:solidFill>
@@ -16870,7 +16926,7 @@
                 <a:latin typeface="Segoe UI"/>
               </a:rPr>
               <a:pPr/>
-              <a:t>6/30/16</a:t>
+              <a:t>7/12/16</a:t>
             </a:fld>
             <a:endParaRPr lang="en-US">
               <a:solidFill>
@@ -17115,7 +17171,7 @@
                 <a:latin typeface="Segoe UI"/>
               </a:rPr>
               <a:pPr/>
-              <a:t>6/30/16</a:t>
+              <a:t>7/12/16</a:t>
             </a:fld>
             <a:endParaRPr lang="en-US">
               <a:solidFill>
@@ -17374,7 +17430,7 @@
             <a:fld id="{0459C166-16D3-4A25-A2F8-C51E0E346B22}" type="datetimeFigureOut">
               <a:rPr lang="en-US" smtClean="0"/>
               <a:pPr/>
-              <a:t>6/30/16</a:t>
+              <a:t>7/12/16</a:t>
             </a:fld>
             <a:endParaRPr lang="en-US"/>
           </a:p>
@@ -17551,7 +17607,7 @@
                 <a:latin typeface="Segoe UI"/>
               </a:rPr>
               <a:pPr/>
-              <a:t>6/30/16</a:t>
+              <a:t>7/12/16</a:t>
             </a:fld>
             <a:endParaRPr lang="en-US">
               <a:solidFill>
@@ -17851,7 +17907,7 @@
                 <a:latin typeface="Segoe UI"/>
               </a:rPr>
               <a:pPr/>
-              <a:t>6/30/16</a:t>
+              <a:t>7/12/16</a:t>
             </a:fld>
             <a:endParaRPr lang="en-US">
               <a:solidFill>
@@ -18125,7 +18181,7 @@
                 <a:latin typeface="Segoe UI"/>
               </a:rPr>
               <a:pPr/>
-              <a:t>6/30/16</a:t>
+              <a:t>7/12/16</a:t>
             </a:fld>
             <a:endParaRPr lang="en-US">
               <a:solidFill>
@@ -18526,7 +18582,7 @@
                 <a:latin typeface="Segoe UI"/>
               </a:rPr>
               <a:pPr/>
-              <a:t>6/30/16</a:t>
+              <a:t>7/12/16</a:t>
             </a:fld>
             <a:endParaRPr lang="en-US">
               <a:solidFill>
@@ -18680,7 +18736,7 @@
                 <a:latin typeface="Segoe UI"/>
               </a:rPr>
               <a:pPr/>
-              <a:t>6/30/16</a:t>
+              <a:t>7/12/16</a:t>
             </a:fld>
             <a:endParaRPr lang="en-US">
               <a:solidFill>
@@ -18812,7 +18868,7 @@
                 <a:latin typeface="Segoe UI"/>
               </a:rPr>
               <a:pPr/>
-              <a:t>6/30/16</a:t>
+              <a:t>7/12/16</a:t>
             </a:fld>
             <a:endParaRPr lang="en-US">
               <a:solidFill>
@@ -19124,7 +19180,7 @@
                 <a:latin typeface="Segoe UI"/>
               </a:rPr>
               <a:pPr/>
-              <a:t>6/30/16</a:t>
+              <a:t>7/12/16</a:t>
             </a:fld>
             <a:endParaRPr lang="en-US">
               <a:solidFill>
@@ -19413,7 +19469,7 @@
                 <a:latin typeface="Segoe UI"/>
               </a:rPr>
               <a:pPr/>
-              <a:t>6/30/16</a:t>
+              <a:t>7/12/16</a:t>
             </a:fld>
             <a:endParaRPr lang="en-US">
               <a:solidFill>
@@ -19618,7 +19674,7 @@
                 <a:latin typeface="Segoe UI"/>
               </a:rPr>
               <a:pPr/>
-              <a:t>6/30/16</a:t>
+              <a:t>7/12/16</a:t>
             </a:fld>
             <a:endParaRPr lang="en-US">
               <a:solidFill>
@@ -19833,7 +19889,7 @@
                 <a:latin typeface="Segoe UI"/>
               </a:rPr>
               <a:pPr/>
-              <a:t>6/30/16</a:t>
+              <a:t>7/12/16</a:t>
             </a:fld>
             <a:endParaRPr lang="en-US">
               <a:solidFill>
@@ -20227,7 +20283,7 @@
             <a:fld id="{0459C166-16D3-4A25-A2F8-C51E0E346B22}" type="datetimeFigureOut">
               <a:rPr lang="en-US" smtClean="0"/>
               <a:pPr/>
-              <a:t>6/30/16</a:t>
+              <a:t>7/12/16</a:t>
             </a:fld>
             <a:endParaRPr lang="en-US"/>
           </a:p>
@@ -20444,7 +20500,7 @@
                 <a:latin typeface="Segoe UI"/>
               </a:rPr>
               <a:pPr/>
-              <a:t>6/30/16</a:t>
+              <a:t>7/12/16</a:t>
             </a:fld>
             <a:endParaRPr lang="en-US">
               <a:solidFill>
@@ -20649,7 +20705,7 @@
                 <a:latin typeface="Segoe UI"/>
               </a:rPr>
               <a:pPr/>
-              <a:t>6/30/16</a:t>
+              <a:t>7/12/16</a:t>
             </a:fld>
             <a:endParaRPr lang="en-US">
               <a:solidFill>
@@ -20949,7 +21005,7 @@
                 <a:latin typeface="Segoe UI"/>
               </a:rPr>
               <a:pPr/>
-              <a:t>6/30/16</a:t>
+              <a:t>7/12/16</a:t>
             </a:fld>
             <a:endParaRPr lang="en-US">
               <a:solidFill>
@@ -21223,7 +21279,7 @@
                 <a:latin typeface="Segoe UI"/>
               </a:rPr>
               <a:pPr/>
-              <a:t>6/30/16</a:t>
+              <a:t>7/12/16</a:t>
             </a:fld>
             <a:endParaRPr lang="en-US">
               <a:solidFill>
@@ -21624,7 +21680,7 @@
                 <a:latin typeface="Segoe UI"/>
               </a:rPr>
               <a:pPr/>
-              <a:t>6/30/16</a:t>
+              <a:t>7/12/16</a:t>
             </a:fld>
             <a:endParaRPr lang="en-US">
               <a:solidFill>
@@ -21778,7 +21834,7 @@
                 <a:latin typeface="Segoe UI"/>
               </a:rPr>
               <a:pPr/>
-              <a:t>6/30/16</a:t>
+              <a:t>7/12/16</a:t>
             </a:fld>
             <a:endParaRPr lang="en-US">
               <a:solidFill>
@@ -21910,7 +21966,7 @@
                 <a:latin typeface="Segoe UI"/>
               </a:rPr>
               <a:pPr/>
-              <a:t>6/30/16</a:t>
+              <a:t>7/12/16</a:t>
             </a:fld>
             <a:endParaRPr lang="en-US">
               <a:solidFill>
@@ -22222,7 +22278,7 @@
                 <a:latin typeface="Segoe UI"/>
               </a:rPr>
               <a:pPr/>
-              <a:t>6/30/16</a:t>
+              <a:t>7/12/16</a:t>
             </a:fld>
             <a:endParaRPr lang="en-US">
               <a:solidFill>
@@ -22511,7 +22567,7 @@
                 <a:latin typeface="Segoe UI"/>
               </a:rPr>
               <a:pPr/>
-              <a:t>6/30/16</a:t>
+              <a:t>7/12/16</a:t>
             </a:fld>
             <a:endParaRPr lang="en-US">
               <a:solidFill>
@@ -22716,7 +22772,7 @@
                 <a:latin typeface="Segoe UI"/>
               </a:rPr>
               <a:pPr/>
-              <a:t>6/30/16</a:t>
+              <a:t>7/12/16</a:t>
             </a:fld>
             <a:endParaRPr lang="en-US">
               <a:solidFill>
@@ -22863,7 +22919,7 @@
             <a:fld id="{0459C166-16D3-4A25-A2F8-C51E0E346B22}" type="datetimeFigureOut">
               <a:rPr lang="en-US" smtClean="0"/>
               <a:pPr/>
-              <a:t>6/30/16</a:t>
+              <a:t>7/12/16</a:t>
             </a:fld>
             <a:endParaRPr lang="en-US"/>
           </a:p>
@@ -23050,7 +23106,7 @@
                 <a:latin typeface="Segoe UI"/>
               </a:rPr>
               <a:pPr/>
-              <a:t>6/30/16</a:t>
+              <a:t>7/12/16</a:t>
             </a:fld>
             <a:endParaRPr lang="en-US">
               <a:solidFill>
@@ -23175,7 +23231,7 @@
             <a:fld id="{0459C166-16D3-4A25-A2F8-C51E0E346B22}" type="datetimeFigureOut">
               <a:rPr lang="en-US" smtClean="0"/>
               <a:pPr/>
-              <a:t>6/30/16</a:t>
+              <a:t>7/12/16</a:t>
             </a:fld>
             <a:endParaRPr lang="en-US"/>
           </a:p>
@@ -23452,7 +23508,7 @@
             <a:fld id="{0459C166-16D3-4A25-A2F8-C51E0E346B22}" type="datetimeFigureOut">
               <a:rPr lang="en-US" smtClean="0"/>
               <a:pPr/>
-              <a:t>6/30/16</a:t>
+              <a:t>7/12/16</a:t>
             </a:fld>
             <a:endParaRPr lang="en-US"/>
           </a:p>
@@ -23706,7 +23762,7 @@
             <a:fld id="{0459C166-16D3-4A25-A2F8-C51E0E346B22}" type="datetimeFigureOut">
               <a:rPr lang="en-US" smtClean="0"/>
               <a:pPr/>
-              <a:t>6/30/16</a:t>
+              <a:t>7/12/16</a:t>
             </a:fld>
             <a:endParaRPr lang="en-US"/>
           </a:p>
@@ -23919,7 +23975,7 @@
             <a:fld id="{0459C166-16D3-4A25-A2F8-C51E0E346B22}" type="datetimeFigureOut">
               <a:rPr lang="en-US" smtClean="0"/>
               <a:pPr/>
-              <a:t>6/30/16</a:t>
+              <a:t>7/12/16</a:t>
             </a:fld>
             <a:endParaRPr lang="en-US"/>
           </a:p>
@@ -24466,7 +24522,7 @@
                 <a:latin typeface="Segoe UI"/>
               </a:rPr>
               <a:pPr/>
-              <a:t>6/30/16</a:t>
+              <a:t>7/12/16</a:t>
             </a:fld>
             <a:endParaRPr lang="en-US">
               <a:solidFill>
@@ -25046,7 +25102,7 @@
                 <a:latin typeface="Segoe UI"/>
               </a:rPr>
               <a:pPr/>
-              <a:t>6/30/16</a:t>
+              <a:t>7/12/16</a:t>
             </a:fld>
             <a:endParaRPr lang="en-US">
               <a:solidFill>
@@ -25621,7 +25677,7 @@
                 <a:latin typeface="Segoe UI"/>
               </a:rPr>
               <a:pPr/>
-              <a:t>6/30/16</a:t>
+              <a:t>7/12/16</a:t>
             </a:fld>
             <a:endParaRPr lang="en-US">
               <a:solidFill>
@@ -26196,7 +26252,7 @@
                 <a:latin typeface="Segoe UI"/>
               </a:rPr>
               <a:pPr/>
-              <a:t>6/30/16</a:t>
+              <a:t>7/12/16</a:t>
             </a:fld>
             <a:endParaRPr lang="en-US">
               <a:solidFill>
@@ -29968,14 +30024,14 @@
                 <a:gridCol w="4786355">
                   <a:extLst>
                     <a:ext uri="{9D8B030D-6E8A-4147-A177-3AD203B41FA5}">
-                      <a16:colId xmlns="" xmlns:a16="http://schemas.microsoft.com/office/drawing/2014/main" val="48614039"/>
+                      <a16:colId xmlns:a16="http://schemas.microsoft.com/office/drawing/2014/main" xmlns="" val="48614039"/>
                     </a:ext>
                   </a:extLst>
                 </a:gridCol>
                 <a:gridCol w="5662501">
                   <a:extLst>
                     <a:ext uri="{9D8B030D-6E8A-4147-A177-3AD203B41FA5}">
-                      <a16:colId xmlns="" xmlns:a16="http://schemas.microsoft.com/office/drawing/2014/main" val="1124546490"/>
+                      <a16:colId xmlns:a16="http://schemas.microsoft.com/office/drawing/2014/main" xmlns="" val="1124546490"/>
                     </a:ext>
                   </a:extLst>
                 </a:gridCol>
@@ -30027,7 +30083,7 @@
                 </a:tc>
                 <a:extLst>
                   <a:ext uri="{0D108BD9-81ED-4DB2-BD59-A6C34878D82A}">
-                    <a16:rowId xmlns="" xmlns:a16="http://schemas.microsoft.com/office/drawing/2014/main" val="679667022"/>
+                    <a16:rowId xmlns:a16="http://schemas.microsoft.com/office/drawing/2014/main" xmlns="" val="679667022"/>
                   </a:ext>
                 </a:extLst>
               </a:tr>
@@ -30092,7 +30148,7 @@
                 </a:tc>
                 <a:extLst>
                   <a:ext uri="{0D108BD9-81ED-4DB2-BD59-A6C34878D82A}">
-                    <a16:rowId xmlns="" xmlns:a16="http://schemas.microsoft.com/office/drawing/2014/main" val="2034482246"/>
+                    <a16:rowId xmlns:a16="http://schemas.microsoft.com/office/drawing/2014/main" xmlns="" val="2034482246"/>
                   </a:ext>
                 </a:extLst>
               </a:tr>
@@ -30178,7 +30234,7 @@
                 </a:tc>
                 <a:extLst>
                   <a:ext uri="{0D108BD9-81ED-4DB2-BD59-A6C34878D82A}">
-                    <a16:rowId xmlns="" xmlns:a16="http://schemas.microsoft.com/office/drawing/2014/main" val="682465758"/>
+                    <a16:rowId xmlns:a16="http://schemas.microsoft.com/office/drawing/2014/main" xmlns="" val="682465758"/>
                   </a:ext>
                 </a:extLst>
               </a:tr>
@@ -30241,7 +30297,7 @@
                 </a:tc>
                 <a:extLst>
                   <a:ext uri="{0D108BD9-81ED-4DB2-BD59-A6C34878D82A}">
-                    <a16:rowId xmlns="" xmlns:a16="http://schemas.microsoft.com/office/drawing/2014/main" val="4230228483"/>
+                    <a16:rowId xmlns:a16="http://schemas.microsoft.com/office/drawing/2014/main" xmlns="" val="4230228483"/>
                   </a:ext>
                 </a:extLst>
               </a:tr>
@@ -40781,7 +40837,7 @@
   <a:extraClrSchemeLst/>
   <a:extLst>
     <a:ext uri="{05A4C25C-085E-4340-85A3-A5531E510DB2}">
-      <thm15:themeFamily xmlns="" xmlns:thm15="http://schemas.microsoft.com/office/thememl/2012/main" name="Office Theme" id="{62F939B6-93AF-4DB8-9C6B-D6C7DFDC589F}" vid="{4A3C46E8-61CC-4603-A589-7422A47A8E4A}"/>
+      <thm15:themeFamily xmlns:thm15="http://schemas.microsoft.com/office/thememl/2012/main" xmlns="" name="Office Theme" id="{62F939B6-93AF-4DB8-9C6B-D6C7DFDC589F}" vid="{4A3C46E8-61CC-4603-A589-7422A47A8E4A}"/>
     </a:ext>
   </a:extLst>
 </a:theme>
@@ -41050,7 +41106,7 @@
   <a:extraClrSchemeLst/>
   <a:extLst>
     <a:ext uri="{05A4C25C-085E-4340-85A3-A5531E510DB2}">
-      <thm15:themeFamily xmlns="" xmlns:thm15="http://schemas.microsoft.com/office/thememl/2012/main" name="Office Theme" id="{62F939B6-93AF-4DB8-9C6B-D6C7DFDC589F}" vid="{4A3C46E8-61CC-4603-A589-7422A47A8E4A}"/>
+      <thm15:themeFamily xmlns:thm15="http://schemas.microsoft.com/office/thememl/2012/main" xmlns="" name="Office Theme" id="{62F939B6-93AF-4DB8-9C6B-D6C7DFDC589F}" vid="{4A3C46E8-61CC-4603-A589-7422A47A8E4A}"/>
     </a:ext>
   </a:extLst>
 </a:theme>
@@ -41251,7 +41307,7 @@
   <a:extraClrSchemeLst/>
   <a:extLst>
     <a:ext uri="{05A4C25C-085E-4340-85A3-A5531E510DB2}">
-      <thm15:themeFamily xmlns="" xmlns:thm15="http://schemas.microsoft.com/office/thememl/2012/main" name="Office Theme" id="{62F939B6-93AF-4DB8-9C6B-D6C7DFDC589F}" vid="{4A3C46E8-61CC-4603-A589-7422A47A8E4A}"/>
+      <thm15:themeFamily xmlns:thm15="http://schemas.microsoft.com/office/thememl/2012/main" xmlns="" name="Office Theme" id="{62F939B6-93AF-4DB8-9C6B-D6C7DFDC589F}" vid="{4A3C46E8-61CC-4603-A589-7422A47A8E4A}"/>
     </a:ext>
   </a:extLst>
 </a:theme>
@@ -41452,7 +41508,7 @@
   <a:extraClrSchemeLst/>
   <a:extLst>
     <a:ext uri="{05A4C25C-085E-4340-85A3-A5531E510DB2}">
-      <thm15:themeFamily xmlns="" xmlns:thm15="http://schemas.microsoft.com/office/thememl/2012/main" name="Office Theme" id="{62F939B6-93AF-4DB8-9C6B-D6C7DFDC589F}" vid="{4A3C46E8-61CC-4603-A589-7422A47A8E4A}"/>
+      <thm15:themeFamily xmlns:thm15="http://schemas.microsoft.com/office/thememl/2012/main" xmlns="" name="Office Theme" id="{62F939B6-93AF-4DB8-9C6B-D6C7DFDC589F}" vid="{4A3C46E8-61CC-4603-A589-7422A47A8E4A}"/>
     </a:ext>
   </a:extLst>
 </a:theme>
@@ -41653,7 +41709,7 @@
   <a:extraClrSchemeLst/>
   <a:extLst>
     <a:ext uri="{05A4C25C-085E-4340-85A3-A5531E510DB2}">
-      <thm15:themeFamily xmlns="" xmlns:thm15="http://schemas.microsoft.com/office/thememl/2012/main" name="Office Theme" id="{62F939B6-93AF-4DB8-9C6B-D6C7DFDC589F}" vid="{4A3C46E8-61CC-4603-A589-7422A47A8E4A}"/>
+      <thm15:themeFamily xmlns:thm15="http://schemas.microsoft.com/office/thememl/2012/main" xmlns="" name="Office Theme" id="{62F939B6-93AF-4DB8-9C6B-D6C7DFDC589F}" vid="{4A3C46E8-61CC-4603-A589-7422A47A8E4A}"/>
     </a:ext>
   </a:extLst>
 </a:theme>
@@ -41948,7 +42004,7 @@
   <a:extraClrSchemeLst/>
   <a:extLst>
     <a:ext uri="{05A4C25C-085E-4340-85A3-A5531E510DB2}">
-      <thm15:themeFamily xmlns="" xmlns:thm15="http://schemas.microsoft.com/office/thememl/2012/main" name="Office Theme" id="{62F939B6-93AF-4DB8-9C6B-D6C7DFDC589F}" vid="{4A3C46E8-61CC-4603-A589-7422A47A8E4A}"/>
+      <thm15:themeFamily xmlns:thm15="http://schemas.microsoft.com/office/thememl/2012/main" xmlns="" name="Office Theme" id="{62F939B6-93AF-4DB8-9C6B-D6C7DFDC589F}" vid="{4A3C46E8-61CC-4603-A589-7422A47A8E4A}"/>
     </a:ext>
   </a:extLst>
 </a:theme>

--- a/Complimentary Course Content/Module3/Lessons/Module3_Lesson06 Developing iOS Apps with Xamarin.pptx
+++ b/Complimentary Course Content/Module3/Lessons/Module3_Lesson06 Developing iOS Apps with Xamarin.pptx
@@ -147,7 +147,7 @@
   </p:defaultTextStyle>
   <p:extLst>
     <p:ext uri="{EFAFB233-063F-42B5-8137-9DF3F51BA10A}">
-      <p15:sldGuideLst xmlns:p15="http://schemas.microsoft.com/office/powerpoint/2012/main" xmlns="">
+      <p15:sldGuideLst xmlns:p15="http://schemas.microsoft.com/office/powerpoint/2012/main">
         <p15:guide id="1" orient="horz" pos="2160">
           <p15:clr>
             <a:srgbClr val="A4A3A4"/>
@@ -256,7 +256,7 @@
             <a:fld id="{49B60EF2-7028-489F-85D8-FE86CD7CF2A0}" type="datetimeFigureOut">
               <a:rPr lang="en-US" smtClean="0"/>
               <a:pPr/>
-              <a:t>7/12/16</a:t>
+              <a:t>9/9/16</a:t>
             </a:fld>
             <a:endParaRPr lang="en-US"/>
           </a:p>
@@ -568,6 +568,117 @@
           <a:bodyPr/>
           <a:lstStyle/>
           <a:p>
+            <a:r>
+              <a:rPr lang="en-US" sz="1200" b="0" i="0" kern="1200" dirty="0" smtClean="0">
+                <a:solidFill>
+                  <a:schemeClr val="tx1"/>
+                </a:solidFill>
+                <a:effectLst/>
+                <a:latin typeface="+mn-lt"/>
+                <a:ea typeface="+mn-ea"/>
+                <a:cs typeface="+mn-cs"/>
+              </a:rPr>
+              <a:t>Images and excerpts from </a:t>
+            </a:r>
+            <a:r>
+              <a:rPr lang="en-US" sz="1200" b="0" i="1" kern="1200" dirty="0" err="1" smtClean="0">
+                <a:solidFill>
+                  <a:schemeClr val="tx1"/>
+                </a:solidFill>
+                <a:effectLst/>
+                <a:latin typeface="+mn-lt"/>
+                <a:ea typeface="+mn-ea"/>
+                <a:cs typeface="+mn-cs"/>
+              </a:rPr>
+              <a:t>Xamarin</a:t>
+            </a:r>
+            <a:r>
+              <a:rPr lang="en-US" sz="1200" b="0" i="1" kern="1200" dirty="0" smtClean="0">
+                <a:solidFill>
+                  <a:schemeClr val="tx1"/>
+                </a:solidFill>
+                <a:effectLst/>
+                <a:latin typeface="+mn-lt"/>
+                <a:ea typeface="+mn-ea"/>
+                <a:cs typeface="+mn-cs"/>
+              </a:rPr>
+              <a:t> Mobile Application Development </a:t>
+            </a:r>
+            <a:r>
+              <a:rPr lang="en-US" sz="1200" b="0" i="0" kern="1200" dirty="0" smtClean="0">
+                <a:solidFill>
+                  <a:schemeClr val="tx1"/>
+                </a:solidFill>
+                <a:effectLst/>
+                <a:latin typeface="+mn-lt"/>
+                <a:ea typeface="+mn-ea"/>
+                <a:cs typeface="+mn-cs"/>
+              </a:rPr>
+              <a:t>by Dan Hermes, published by </a:t>
+            </a:r>
+            <a:r>
+              <a:rPr lang="en-US" sz="1200" b="0" i="0" kern="1200" dirty="0" err="1" smtClean="0">
+                <a:solidFill>
+                  <a:schemeClr val="tx1"/>
+                </a:solidFill>
+                <a:effectLst/>
+                <a:latin typeface="+mn-lt"/>
+                <a:ea typeface="+mn-ea"/>
+                <a:cs typeface="+mn-cs"/>
+              </a:rPr>
+              <a:t>Apress</a:t>
+            </a:r>
+            <a:r>
+              <a:rPr lang="en-US" sz="1200" b="0" i="0" kern="1200" dirty="0" smtClean="0">
+                <a:solidFill>
+                  <a:schemeClr val="tx1"/>
+                </a:solidFill>
+                <a:effectLst/>
+                <a:latin typeface="+mn-lt"/>
+                <a:ea typeface="+mn-ea"/>
+                <a:cs typeface="+mn-cs"/>
+              </a:rPr>
+              <a:t>  </a:t>
+            </a:r>
+          </a:p>
+          <a:p>
+            <a:r>
+              <a:rPr lang="en-US" sz="1200" b="0" i="0" kern="1200" dirty="0" smtClean="0">
+                <a:solidFill>
+                  <a:schemeClr val="tx1"/>
+                </a:solidFill>
+                <a:effectLst/>
+                <a:latin typeface="+mn-lt"/>
+                <a:ea typeface="+mn-ea"/>
+                <a:cs typeface="+mn-cs"/>
+                <a:hlinkClick r:id="rId3"/>
+              </a:rPr>
+              <a:t>http://www.mobilecsharpcafe.com/xamarin</a:t>
+            </a:r>
+            <a:r>
+              <a:rPr lang="en-US" sz="1200" b="0" i="0" kern="1200" smtClean="0">
+                <a:solidFill>
+                  <a:schemeClr val="tx1"/>
+                </a:solidFill>
+                <a:effectLst/>
+                <a:latin typeface="+mn-lt"/>
+                <a:ea typeface="+mn-ea"/>
+                <a:cs typeface="+mn-cs"/>
+                <a:hlinkClick r:id="rId3"/>
+              </a:rPr>
+              <a:t>-book/</a:t>
+            </a:r>
+            <a:endParaRPr lang="en-US" sz="1200" b="0" i="0" kern="1200" smtClean="0">
+              <a:solidFill>
+                <a:schemeClr val="tx1"/>
+              </a:solidFill>
+              <a:effectLst/>
+              <a:latin typeface="+mn-lt"/>
+              <a:ea typeface="+mn-ea"/>
+              <a:cs typeface="+mn-cs"/>
+            </a:endParaRPr>
+          </a:p>
+          <a:p>
             <a:endParaRPr lang="en-US" dirty="0"/>
           </a:p>
         </p:txBody>
@@ -9300,7 +9411,7 @@
             <a:fld id="{0459C166-16D3-4A25-A2F8-C51E0E346B22}" type="datetimeFigureOut">
               <a:rPr lang="en-US" smtClean="0"/>
               <a:pPr/>
-              <a:t>7/12/16</a:t>
+              <a:t>9/9/16</a:t>
             </a:fld>
             <a:endParaRPr lang="en-US"/>
           </a:p>
@@ -9470,7 +9581,7 @@
             <a:fld id="{0459C166-16D3-4A25-A2F8-C51E0E346B22}" type="datetimeFigureOut">
               <a:rPr lang="en-US" smtClean="0"/>
               <a:pPr/>
-              <a:t>7/12/16</a:t>
+              <a:t>9/9/16</a:t>
             </a:fld>
             <a:endParaRPr lang="en-US"/>
           </a:p>
@@ -9650,7 +9761,7 @@
             <a:fld id="{0459C166-16D3-4A25-A2F8-C51E0E346B22}" type="datetimeFigureOut">
               <a:rPr lang="en-US" smtClean="0"/>
               <a:pPr/>
-              <a:t>7/12/16</a:t>
+              <a:t>9/9/16</a:t>
             </a:fld>
             <a:endParaRPr lang="en-US"/>
           </a:p>
@@ -9867,7 +9978,7 @@
                 <a:latin typeface="Segoe UI"/>
               </a:rPr>
               <a:pPr/>
-              <a:t>7/12/16</a:t>
+              <a:t>9/9/16</a:t>
             </a:fld>
             <a:endParaRPr lang="en-US">
               <a:solidFill>
@@ -10072,7 +10183,7 @@
                 <a:latin typeface="Segoe UI"/>
               </a:rPr>
               <a:pPr/>
-              <a:t>7/12/16</a:t>
+              <a:t>9/9/16</a:t>
             </a:fld>
             <a:endParaRPr lang="en-US">
               <a:solidFill>
@@ -10370,7 +10481,7 @@
                 <a:latin typeface="Segoe UI"/>
               </a:rPr>
               <a:pPr/>
-              <a:t>7/12/16</a:t>
+              <a:t>9/9/16</a:t>
             </a:fld>
             <a:endParaRPr lang="en-US">
               <a:solidFill>
@@ -10714,7 +10825,7 @@
                 <a:latin typeface="Segoe UI"/>
               </a:rPr>
               <a:pPr/>
-              <a:t>7/12/16</a:t>
+              <a:t>9/9/16</a:t>
             </a:fld>
             <a:endParaRPr lang="en-US">
               <a:solidFill>
@@ -11089,7 +11200,7 @@
                 <a:latin typeface="Segoe UI"/>
               </a:rPr>
               <a:pPr/>
-              <a:t>7/12/16</a:t>
+              <a:t>9/9/16</a:t>
             </a:fld>
             <a:endParaRPr lang="en-US">
               <a:solidFill>
@@ -11965,7 +12076,7 @@
             <a:fld id="{0459C166-16D3-4A25-A2F8-C51E0E346B22}" type="datetimeFigureOut">
               <a:rPr lang="en-US" smtClean="0"/>
               <a:pPr/>
-              <a:t>7/12/16</a:t>
+              <a:t>9/9/16</a:t>
             </a:fld>
             <a:endParaRPr lang="en-US"/>
           </a:p>
@@ -12203,7 +12314,7 @@
                 <a:latin typeface="Segoe UI"/>
               </a:rPr>
               <a:pPr/>
-              <a:t>7/12/16</a:t>
+              <a:t>9/9/16</a:t>
             </a:fld>
             <a:endParaRPr lang="en-US">
               <a:solidFill>
@@ -12604,7 +12715,7 @@
                 <a:latin typeface="Segoe UI"/>
               </a:rPr>
               <a:pPr/>
-              <a:t>7/12/16</a:t>
+              <a:t>9/9/16</a:t>
             </a:fld>
             <a:endParaRPr lang="en-US">
               <a:solidFill>
@@ -12758,7 +12869,7 @@
                 <a:latin typeface="Segoe UI"/>
               </a:rPr>
               <a:pPr/>
-              <a:t>7/12/16</a:t>
+              <a:t>9/9/16</a:t>
             </a:fld>
             <a:endParaRPr lang="en-US">
               <a:solidFill>
@@ -12890,7 +13001,7 @@
                 <a:latin typeface="Segoe UI"/>
               </a:rPr>
               <a:pPr/>
-              <a:t>7/12/16</a:t>
+              <a:t>9/9/16</a:t>
             </a:fld>
             <a:endParaRPr lang="en-US">
               <a:solidFill>
@@ -13202,7 +13313,7 @@
                 <a:latin typeface="Segoe UI"/>
               </a:rPr>
               <a:pPr/>
-              <a:t>7/12/16</a:t>
+              <a:t>9/9/16</a:t>
             </a:fld>
             <a:endParaRPr lang="en-US">
               <a:solidFill>
@@ -13491,7 +13602,7 @@
                 <a:latin typeface="Segoe UI"/>
               </a:rPr>
               <a:pPr/>
-              <a:t>7/12/16</a:t>
+              <a:t>9/9/16</a:t>
             </a:fld>
             <a:endParaRPr lang="en-US">
               <a:solidFill>
@@ -13696,7 +13807,7 @@
                 <a:latin typeface="Segoe UI"/>
               </a:rPr>
               <a:pPr/>
-              <a:t>7/12/16</a:t>
+              <a:t>9/9/16</a:t>
             </a:fld>
             <a:endParaRPr lang="en-US">
               <a:solidFill>
@@ -13911,7 +14022,7 @@
                 <a:latin typeface="Segoe UI"/>
               </a:rPr>
               <a:pPr/>
-              <a:t>7/12/16</a:t>
+              <a:t>9/9/16</a:t>
             </a:fld>
             <a:endParaRPr lang="en-US">
               <a:solidFill>
@@ -14156,7 +14267,7 @@
                 <a:latin typeface="Segoe UI"/>
               </a:rPr>
               <a:pPr/>
-              <a:t>7/12/16</a:t>
+              <a:t>9/9/16</a:t>
             </a:fld>
             <a:endParaRPr lang="en-US">
               <a:solidFill>
@@ -14361,7 +14472,7 @@
                 <a:latin typeface="Segoe UI"/>
               </a:rPr>
               <a:pPr/>
-              <a:t>7/12/16</a:t>
+              <a:t>9/9/16</a:t>
             </a:fld>
             <a:endParaRPr lang="en-US">
               <a:solidFill>
@@ -14656,7 +14767,7 @@
             <a:fld id="{0459C166-16D3-4A25-A2F8-C51E0E346B22}" type="datetimeFigureOut">
               <a:rPr lang="en-US" smtClean="0"/>
               <a:pPr/>
-              <a:t>7/12/16</a:t>
+              <a:t>9/9/16</a:t>
             </a:fld>
             <a:endParaRPr lang="en-US"/>
           </a:p>
@@ -14944,7 +15055,7 @@
                 <a:latin typeface="Segoe UI"/>
               </a:rPr>
               <a:pPr/>
-              <a:t>7/12/16</a:t>
+              <a:t>9/9/16</a:t>
             </a:fld>
             <a:endParaRPr lang="en-US">
               <a:solidFill>
@@ -15218,7 +15329,7 @@
                 <a:latin typeface="Segoe UI"/>
               </a:rPr>
               <a:pPr/>
-              <a:t>7/12/16</a:t>
+              <a:t>9/9/16</a:t>
             </a:fld>
             <a:endParaRPr lang="en-US">
               <a:solidFill>
@@ -15619,7 +15730,7 @@
                 <a:latin typeface="Segoe UI"/>
               </a:rPr>
               <a:pPr/>
-              <a:t>7/12/16</a:t>
+              <a:t>9/9/16</a:t>
             </a:fld>
             <a:endParaRPr lang="en-US">
               <a:solidFill>
@@ -15773,7 +15884,7 @@
                 <a:latin typeface="Segoe UI"/>
               </a:rPr>
               <a:pPr/>
-              <a:t>7/12/16</a:t>
+              <a:t>9/9/16</a:t>
             </a:fld>
             <a:endParaRPr lang="en-US">
               <a:solidFill>
@@ -15905,7 +16016,7 @@
                 <a:latin typeface="Segoe UI"/>
               </a:rPr>
               <a:pPr/>
-              <a:t>7/12/16</a:t>
+              <a:t>9/9/16</a:t>
             </a:fld>
             <a:endParaRPr lang="en-US">
               <a:solidFill>
@@ -16217,7 +16328,7 @@
                 <a:latin typeface="Segoe UI"/>
               </a:rPr>
               <a:pPr/>
-              <a:t>7/12/16</a:t>
+              <a:t>9/9/16</a:t>
             </a:fld>
             <a:endParaRPr lang="en-US">
               <a:solidFill>
@@ -16506,7 +16617,7 @@
                 <a:latin typeface="Segoe UI"/>
               </a:rPr>
               <a:pPr/>
-              <a:t>7/12/16</a:t>
+              <a:t>9/9/16</a:t>
             </a:fld>
             <a:endParaRPr lang="en-US">
               <a:solidFill>
@@ -16711,7 +16822,7 @@
                 <a:latin typeface="Segoe UI"/>
               </a:rPr>
               <a:pPr/>
-              <a:t>7/12/16</a:t>
+              <a:t>9/9/16</a:t>
             </a:fld>
             <a:endParaRPr lang="en-US">
               <a:solidFill>
@@ -16926,7 +17037,7 @@
                 <a:latin typeface="Segoe UI"/>
               </a:rPr>
               <a:pPr/>
-              <a:t>7/12/16</a:t>
+              <a:t>9/9/16</a:t>
             </a:fld>
             <a:endParaRPr lang="en-US">
               <a:solidFill>
@@ -17171,7 +17282,7 @@
                 <a:latin typeface="Segoe UI"/>
               </a:rPr>
               <a:pPr/>
-              <a:t>7/12/16</a:t>
+              <a:t>9/9/16</a:t>
             </a:fld>
             <a:endParaRPr lang="en-US">
               <a:solidFill>
@@ -17430,7 +17541,7 @@
             <a:fld id="{0459C166-16D3-4A25-A2F8-C51E0E346B22}" type="datetimeFigureOut">
               <a:rPr lang="en-US" smtClean="0"/>
               <a:pPr/>
-              <a:t>7/12/16</a:t>
+              <a:t>9/9/16</a:t>
             </a:fld>
             <a:endParaRPr lang="en-US"/>
           </a:p>
@@ -17607,7 +17718,7 @@
                 <a:latin typeface="Segoe UI"/>
               </a:rPr>
               <a:pPr/>
-              <a:t>7/12/16</a:t>
+              <a:t>9/9/16</a:t>
             </a:fld>
             <a:endParaRPr lang="en-US">
               <a:solidFill>
@@ -17907,7 +18018,7 @@
                 <a:latin typeface="Segoe UI"/>
               </a:rPr>
               <a:pPr/>
-              <a:t>7/12/16</a:t>
+              <a:t>9/9/16</a:t>
             </a:fld>
             <a:endParaRPr lang="en-US">
               <a:solidFill>
@@ -18181,7 +18292,7 @@
                 <a:latin typeface="Segoe UI"/>
               </a:rPr>
               <a:pPr/>
-              <a:t>7/12/16</a:t>
+              <a:t>9/9/16</a:t>
             </a:fld>
             <a:endParaRPr lang="en-US">
               <a:solidFill>
@@ -18582,7 +18693,7 @@
                 <a:latin typeface="Segoe UI"/>
               </a:rPr>
               <a:pPr/>
-              <a:t>7/12/16</a:t>
+              <a:t>9/9/16</a:t>
             </a:fld>
             <a:endParaRPr lang="en-US">
               <a:solidFill>
@@ -18736,7 +18847,7 @@
                 <a:latin typeface="Segoe UI"/>
               </a:rPr>
               <a:pPr/>
-              <a:t>7/12/16</a:t>
+              <a:t>9/9/16</a:t>
             </a:fld>
             <a:endParaRPr lang="en-US">
               <a:solidFill>
@@ -18868,7 +18979,7 @@
                 <a:latin typeface="Segoe UI"/>
               </a:rPr>
               <a:pPr/>
-              <a:t>7/12/16</a:t>
+              <a:t>9/9/16</a:t>
             </a:fld>
             <a:endParaRPr lang="en-US">
               <a:solidFill>
@@ -19180,7 +19291,7 @@
                 <a:latin typeface="Segoe UI"/>
               </a:rPr>
               <a:pPr/>
-              <a:t>7/12/16</a:t>
+              <a:t>9/9/16</a:t>
             </a:fld>
             <a:endParaRPr lang="en-US">
               <a:solidFill>
@@ -19469,7 +19580,7 @@
                 <a:latin typeface="Segoe UI"/>
               </a:rPr>
               <a:pPr/>
-              <a:t>7/12/16</a:t>
+              <a:t>9/9/16</a:t>
             </a:fld>
             <a:endParaRPr lang="en-US">
               <a:solidFill>
@@ -19674,7 +19785,7 @@
                 <a:latin typeface="Segoe UI"/>
               </a:rPr>
               <a:pPr/>
-              <a:t>7/12/16</a:t>
+              <a:t>9/9/16</a:t>
             </a:fld>
             <a:endParaRPr lang="en-US">
               <a:solidFill>
@@ -19889,7 +20000,7 @@
                 <a:latin typeface="Segoe UI"/>
               </a:rPr>
               <a:pPr/>
-              <a:t>7/12/16</a:t>
+              <a:t>9/9/16</a:t>
             </a:fld>
             <a:endParaRPr lang="en-US">
               <a:solidFill>
@@ -20283,7 +20394,7 @@
             <a:fld id="{0459C166-16D3-4A25-A2F8-C51E0E346B22}" type="datetimeFigureOut">
               <a:rPr lang="en-US" smtClean="0"/>
               <a:pPr/>
-              <a:t>7/12/16</a:t>
+              <a:t>9/9/16</a:t>
             </a:fld>
             <a:endParaRPr lang="en-US"/>
           </a:p>
@@ -20500,7 +20611,7 @@
                 <a:latin typeface="Segoe UI"/>
               </a:rPr>
               <a:pPr/>
-              <a:t>7/12/16</a:t>
+              <a:t>9/9/16</a:t>
             </a:fld>
             <a:endParaRPr lang="en-US">
               <a:solidFill>
@@ -20705,7 +20816,7 @@
                 <a:latin typeface="Segoe UI"/>
               </a:rPr>
               <a:pPr/>
-              <a:t>7/12/16</a:t>
+              <a:t>9/9/16</a:t>
             </a:fld>
             <a:endParaRPr lang="en-US">
               <a:solidFill>
@@ -21005,7 +21116,7 @@
                 <a:latin typeface="Segoe UI"/>
               </a:rPr>
               <a:pPr/>
-              <a:t>7/12/16</a:t>
+              <a:t>9/9/16</a:t>
             </a:fld>
             <a:endParaRPr lang="en-US">
               <a:solidFill>
@@ -21279,7 +21390,7 @@
                 <a:latin typeface="Segoe UI"/>
               </a:rPr>
               <a:pPr/>
-              <a:t>7/12/16</a:t>
+              <a:t>9/9/16</a:t>
             </a:fld>
             <a:endParaRPr lang="en-US">
               <a:solidFill>
@@ -21680,7 +21791,7 @@
                 <a:latin typeface="Segoe UI"/>
               </a:rPr>
               <a:pPr/>
-              <a:t>7/12/16</a:t>
+              <a:t>9/9/16</a:t>
             </a:fld>
             <a:endParaRPr lang="en-US">
               <a:solidFill>
@@ -21834,7 +21945,7 @@
                 <a:latin typeface="Segoe UI"/>
               </a:rPr>
               <a:pPr/>
-              <a:t>7/12/16</a:t>
+              <a:t>9/9/16</a:t>
             </a:fld>
             <a:endParaRPr lang="en-US">
               <a:solidFill>
@@ -21966,7 +22077,7 @@
                 <a:latin typeface="Segoe UI"/>
               </a:rPr>
               <a:pPr/>
-              <a:t>7/12/16</a:t>
+              <a:t>9/9/16</a:t>
             </a:fld>
             <a:endParaRPr lang="en-US">
               <a:solidFill>
@@ -22278,7 +22389,7 @@
                 <a:latin typeface="Segoe UI"/>
               </a:rPr>
               <a:pPr/>
-              <a:t>7/12/16</a:t>
+              <a:t>9/9/16</a:t>
             </a:fld>
             <a:endParaRPr lang="en-US">
               <a:solidFill>
@@ -22567,7 +22678,7 @@
                 <a:latin typeface="Segoe UI"/>
               </a:rPr>
               <a:pPr/>
-              <a:t>7/12/16</a:t>
+              <a:t>9/9/16</a:t>
             </a:fld>
             <a:endParaRPr lang="en-US">
               <a:solidFill>
@@ -22772,7 +22883,7 @@
                 <a:latin typeface="Segoe UI"/>
               </a:rPr>
               <a:pPr/>
-              <a:t>7/12/16</a:t>
+              <a:t>9/9/16</a:t>
             </a:fld>
             <a:endParaRPr lang="en-US">
               <a:solidFill>
@@ -22919,7 +23030,7 @@
             <a:fld id="{0459C166-16D3-4A25-A2F8-C51E0E346B22}" type="datetimeFigureOut">
               <a:rPr lang="en-US" smtClean="0"/>
               <a:pPr/>
-              <a:t>7/12/16</a:t>
+              <a:t>9/9/16</a:t>
             </a:fld>
             <a:endParaRPr lang="en-US"/>
           </a:p>
@@ -23106,7 +23217,7 @@
                 <a:latin typeface="Segoe UI"/>
               </a:rPr>
               <a:pPr/>
-              <a:t>7/12/16</a:t>
+              <a:t>9/9/16</a:t>
             </a:fld>
             <a:endParaRPr lang="en-US">
               <a:solidFill>
@@ -23231,7 +23342,7 @@
             <a:fld id="{0459C166-16D3-4A25-A2F8-C51E0E346B22}" type="datetimeFigureOut">
               <a:rPr lang="en-US" smtClean="0"/>
               <a:pPr/>
-              <a:t>7/12/16</a:t>
+              <a:t>9/9/16</a:t>
             </a:fld>
             <a:endParaRPr lang="en-US"/>
           </a:p>
@@ -23508,7 +23619,7 @@
             <a:fld id="{0459C166-16D3-4A25-A2F8-C51E0E346B22}" type="datetimeFigureOut">
               <a:rPr lang="en-US" smtClean="0"/>
               <a:pPr/>
-              <a:t>7/12/16</a:t>
+              <a:t>9/9/16</a:t>
             </a:fld>
             <a:endParaRPr lang="en-US"/>
           </a:p>
@@ -23762,7 +23873,7 @@
             <a:fld id="{0459C166-16D3-4A25-A2F8-C51E0E346B22}" type="datetimeFigureOut">
               <a:rPr lang="en-US" smtClean="0"/>
               <a:pPr/>
-              <a:t>7/12/16</a:t>
+              <a:t>9/9/16</a:t>
             </a:fld>
             <a:endParaRPr lang="en-US"/>
           </a:p>
@@ -23975,7 +24086,7 @@
             <a:fld id="{0459C166-16D3-4A25-A2F8-C51E0E346B22}" type="datetimeFigureOut">
               <a:rPr lang="en-US" smtClean="0"/>
               <a:pPr/>
-              <a:t>7/12/16</a:t>
+              <a:t>9/9/16</a:t>
             </a:fld>
             <a:endParaRPr lang="en-US"/>
           </a:p>
@@ -24522,7 +24633,7 @@
                 <a:latin typeface="Segoe UI"/>
               </a:rPr>
               <a:pPr/>
-              <a:t>7/12/16</a:t>
+              <a:t>9/9/16</a:t>
             </a:fld>
             <a:endParaRPr lang="en-US">
               <a:solidFill>
@@ -25102,7 +25213,7 @@
                 <a:latin typeface="Segoe UI"/>
               </a:rPr>
               <a:pPr/>
-              <a:t>7/12/16</a:t>
+              <a:t>9/9/16</a:t>
             </a:fld>
             <a:endParaRPr lang="en-US">
               <a:solidFill>
@@ -25677,7 +25788,7 @@
                 <a:latin typeface="Segoe UI"/>
               </a:rPr>
               <a:pPr/>
-              <a:t>7/12/16</a:t>
+              <a:t>9/9/16</a:t>
             </a:fld>
             <a:endParaRPr lang="en-US">
               <a:solidFill>
@@ -26252,7 +26363,7 @@
                 <a:latin typeface="Segoe UI"/>
               </a:rPr>
               <a:pPr/>
-              <a:t>7/12/16</a:t>
+              <a:t>9/9/16</a:t>
             </a:fld>
             <a:endParaRPr lang="en-US">
               <a:solidFill>
@@ -30024,14 +30135,14 @@
                 <a:gridCol w="4786355">
                   <a:extLst>
                     <a:ext uri="{9D8B030D-6E8A-4147-A177-3AD203B41FA5}">
-                      <a16:colId xmlns:a16="http://schemas.microsoft.com/office/drawing/2014/main" xmlns="" val="48614039"/>
+                      <a16:colId xmlns="" xmlns:a16="http://schemas.microsoft.com/office/drawing/2014/main" val="48614039"/>
                     </a:ext>
                   </a:extLst>
                 </a:gridCol>
                 <a:gridCol w="5662501">
                   <a:extLst>
                     <a:ext uri="{9D8B030D-6E8A-4147-A177-3AD203B41FA5}">
-                      <a16:colId xmlns:a16="http://schemas.microsoft.com/office/drawing/2014/main" xmlns="" val="1124546490"/>
+                      <a16:colId xmlns="" xmlns:a16="http://schemas.microsoft.com/office/drawing/2014/main" val="1124546490"/>
                     </a:ext>
                   </a:extLst>
                 </a:gridCol>
@@ -30083,7 +30194,7 @@
                 </a:tc>
                 <a:extLst>
                   <a:ext uri="{0D108BD9-81ED-4DB2-BD59-A6C34878D82A}">
-                    <a16:rowId xmlns:a16="http://schemas.microsoft.com/office/drawing/2014/main" xmlns="" val="679667022"/>
+                    <a16:rowId xmlns="" xmlns:a16="http://schemas.microsoft.com/office/drawing/2014/main" val="679667022"/>
                   </a:ext>
                 </a:extLst>
               </a:tr>
@@ -30148,7 +30259,7 @@
                 </a:tc>
                 <a:extLst>
                   <a:ext uri="{0D108BD9-81ED-4DB2-BD59-A6C34878D82A}">
-                    <a16:rowId xmlns:a16="http://schemas.microsoft.com/office/drawing/2014/main" xmlns="" val="2034482246"/>
+                    <a16:rowId xmlns="" xmlns:a16="http://schemas.microsoft.com/office/drawing/2014/main" val="2034482246"/>
                   </a:ext>
                 </a:extLst>
               </a:tr>
@@ -30234,7 +30345,7 @@
                 </a:tc>
                 <a:extLst>
                   <a:ext uri="{0D108BD9-81ED-4DB2-BD59-A6C34878D82A}">
-                    <a16:rowId xmlns:a16="http://schemas.microsoft.com/office/drawing/2014/main" xmlns="" val="682465758"/>
+                    <a16:rowId xmlns="" xmlns:a16="http://schemas.microsoft.com/office/drawing/2014/main" val="682465758"/>
                   </a:ext>
                 </a:extLst>
               </a:tr>
@@ -30297,7 +30408,7 @@
                 </a:tc>
                 <a:extLst>
                   <a:ext uri="{0D108BD9-81ED-4DB2-BD59-A6C34878D82A}">
-                    <a16:rowId xmlns:a16="http://schemas.microsoft.com/office/drawing/2014/main" xmlns="" val="4230228483"/>
+                    <a16:rowId xmlns="" xmlns:a16="http://schemas.microsoft.com/office/drawing/2014/main" val="4230228483"/>
                   </a:ext>
                 </a:extLst>
               </a:tr>
@@ -33885,7 +33996,7 @@
   <p:timing>
     <p:tnLst>
       <p:par>
-        <p:cTn xmlns:p14="http://schemas.microsoft.com/office/powerpoint/2010/main" id="1" dur="indefinite" restart="never" nodeType="tmRoot"/>
+        <p:cTn id="1" dur="indefinite" restart="never" nodeType="tmRoot"/>
       </p:par>
     </p:tnLst>
   </p:timing>
@@ -34573,7 +34684,7 @@
   <p:timing>
     <p:tnLst>
       <p:par>
-        <p:cTn xmlns:p14="http://schemas.microsoft.com/office/powerpoint/2010/main" id="1" dur="indefinite" restart="never" nodeType="tmRoot"/>
+        <p:cTn id="1" dur="indefinite" restart="never" nodeType="tmRoot"/>
       </p:par>
     </p:tnLst>
   </p:timing>
@@ -34896,7 +35007,7 @@
   <p:timing>
     <p:tnLst>
       <p:par>
-        <p:cTn xmlns:p14="http://schemas.microsoft.com/office/powerpoint/2010/main" id="1" dur="indefinite" restart="never" nodeType="tmRoot"/>
+        <p:cTn id="1" dur="indefinite" restart="never" nodeType="tmRoot"/>
       </p:par>
     </p:tnLst>
   </p:timing>
@@ -36967,7 +37078,7 @@
   <p:timing>
     <p:tnLst>
       <p:par>
-        <p:cTn xmlns:p14="http://schemas.microsoft.com/office/powerpoint/2010/main" id="1" dur="indefinite" restart="never" nodeType="tmRoot"/>
+        <p:cTn id="1" dur="indefinite" restart="never" nodeType="tmRoot"/>
       </p:par>
     </p:tnLst>
   </p:timing>
@@ -37634,7 +37745,7 @@
   <p:timing>
     <p:tnLst>
       <p:par>
-        <p:cTn xmlns:p14="http://schemas.microsoft.com/office/powerpoint/2010/main" id="1" dur="indefinite" restart="never" nodeType="tmRoot"/>
+        <p:cTn id="1" dur="indefinite" restart="never" nodeType="tmRoot"/>
       </p:par>
     </p:tnLst>
   </p:timing>
@@ -40837,7 +40948,7 @@
   <a:extraClrSchemeLst/>
   <a:extLst>
     <a:ext uri="{05A4C25C-085E-4340-85A3-A5531E510DB2}">
-      <thm15:themeFamily xmlns:thm15="http://schemas.microsoft.com/office/thememl/2012/main" xmlns="" name="Office Theme" id="{62F939B6-93AF-4DB8-9C6B-D6C7DFDC589F}" vid="{4A3C46E8-61CC-4603-A589-7422A47A8E4A}"/>
+      <thm15:themeFamily xmlns:thm15="http://schemas.microsoft.com/office/thememl/2012/main" name="Office Theme" id="{62F939B6-93AF-4DB8-9C6B-D6C7DFDC589F}" vid="{4A3C46E8-61CC-4603-A589-7422A47A8E4A}"/>
     </a:ext>
   </a:extLst>
 </a:theme>
@@ -41106,7 +41217,7 @@
   <a:extraClrSchemeLst/>
   <a:extLst>
     <a:ext uri="{05A4C25C-085E-4340-85A3-A5531E510DB2}">
-      <thm15:themeFamily xmlns:thm15="http://schemas.microsoft.com/office/thememl/2012/main" xmlns="" name="Office Theme" id="{62F939B6-93AF-4DB8-9C6B-D6C7DFDC589F}" vid="{4A3C46E8-61CC-4603-A589-7422A47A8E4A}"/>
+      <thm15:themeFamily xmlns:thm15="http://schemas.microsoft.com/office/thememl/2012/main" name="Office Theme" id="{62F939B6-93AF-4DB8-9C6B-D6C7DFDC589F}" vid="{4A3C46E8-61CC-4603-A589-7422A47A8E4A}"/>
     </a:ext>
   </a:extLst>
 </a:theme>
@@ -41307,7 +41418,7 @@
   <a:extraClrSchemeLst/>
   <a:extLst>
     <a:ext uri="{05A4C25C-085E-4340-85A3-A5531E510DB2}">
-      <thm15:themeFamily xmlns:thm15="http://schemas.microsoft.com/office/thememl/2012/main" xmlns="" name="Office Theme" id="{62F939B6-93AF-4DB8-9C6B-D6C7DFDC589F}" vid="{4A3C46E8-61CC-4603-A589-7422A47A8E4A}"/>
+      <thm15:themeFamily xmlns:thm15="http://schemas.microsoft.com/office/thememl/2012/main" name="Office Theme" id="{62F939B6-93AF-4DB8-9C6B-D6C7DFDC589F}" vid="{4A3C46E8-61CC-4603-A589-7422A47A8E4A}"/>
     </a:ext>
   </a:extLst>
 </a:theme>
@@ -41508,7 +41619,7 @@
   <a:extraClrSchemeLst/>
   <a:extLst>
     <a:ext uri="{05A4C25C-085E-4340-85A3-A5531E510DB2}">
-      <thm15:themeFamily xmlns:thm15="http://schemas.microsoft.com/office/thememl/2012/main" xmlns="" name="Office Theme" id="{62F939B6-93AF-4DB8-9C6B-D6C7DFDC589F}" vid="{4A3C46E8-61CC-4603-A589-7422A47A8E4A}"/>
+      <thm15:themeFamily xmlns:thm15="http://schemas.microsoft.com/office/thememl/2012/main" name="Office Theme" id="{62F939B6-93AF-4DB8-9C6B-D6C7DFDC589F}" vid="{4A3C46E8-61CC-4603-A589-7422A47A8E4A}"/>
     </a:ext>
   </a:extLst>
 </a:theme>
@@ -41709,7 +41820,7 @@
   <a:extraClrSchemeLst/>
   <a:extLst>
     <a:ext uri="{05A4C25C-085E-4340-85A3-A5531E510DB2}">
-      <thm15:themeFamily xmlns:thm15="http://schemas.microsoft.com/office/thememl/2012/main" xmlns="" name="Office Theme" id="{62F939B6-93AF-4DB8-9C6B-D6C7DFDC589F}" vid="{4A3C46E8-61CC-4603-A589-7422A47A8E4A}"/>
+      <thm15:themeFamily xmlns:thm15="http://schemas.microsoft.com/office/thememl/2012/main" name="Office Theme" id="{62F939B6-93AF-4DB8-9C6B-D6C7DFDC589F}" vid="{4A3C46E8-61CC-4603-A589-7422A47A8E4A}"/>
     </a:ext>
   </a:extLst>
 </a:theme>
@@ -42004,7 +42115,7 @@
   <a:extraClrSchemeLst/>
   <a:extLst>
     <a:ext uri="{05A4C25C-085E-4340-85A3-A5531E510DB2}">
-      <thm15:themeFamily xmlns:thm15="http://schemas.microsoft.com/office/thememl/2012/main" xmlns="" name="Office Theme" id="{62F939B6-93AF-4DB8-9C6B-D6C7DFDC589F}" vid="{4A3C46E8-61CC-4603-A589-7422A47A8E4A}"/>
+      <thm15:themeFamily xmlns:thm15="http://schemas.microsoft.com/office/thememl/2012/main" name="Office Theme" id="{62F939B6-93AF-4DB8-9C6B-D6C7DFDC589F}" vid="{4A3C46E8-61CC-4603-A589-7422A47A8E4A}"/>
     </a:ext>
   </a:extLst>
 </a:theme>
